--- a/135/slides/ch05/call_method.pptx
+++ b/135/slides/ch05/call_method.pptx
@@ -5,7 +5,7 @@
     <p:sldMasterId id="2147483648" r:id="rId1"/>
   </p:sldMasterIdLst>
   <p:notesMasterIdLst>
-    <p:notesMasterId r:id="rId16"/>
+    <p:notesMasterId r:id="rId18"/>
   </p:notesMasterIdLst>
   <p:sldIdLst>
     <p:sldId id="256" r:id="rId2"/>
@@ -22,6 +22,8 @@
     <p:sldId id="265" r:id="rId13"/>
     <p:sldId id="266" r:id="rId14"/>
     <p:sldId id="271" r:id="rId15"/>
+    <p:sldId id="272" r:id="rId16"/>
+    <p:sldId id="273" r:id="rId17"/>
   </p:sldIdLst>
   <p:sldSz cx="12192000" cy="6858000"/>
   <p:notesSz cx="6858000" cy="9144000"/>
@@ -210,7 +212,7 @@
           <a:p>
             <a:fld id="{F81EB5AE-7CEF-0D4B-A20B-CA47CB750EB5}" type="datetimeFigureOut">
               <a:rPr lang="en-US" smtClean="0"/>
-              <a:t>9/24/2020</a:t>
+              <a:t>9/26/21</a:t>
             </a:fld>
             <a:endParaRPr lang="en-US"/>
           </a:p>
@@ -274,38 +276,37 @@
           <a:p>
             <a:pPr lvl="0"/>
             <a:r>
-              <a:rPr lang="en-US" smtClean="0"/>
+              <a:rPr lang="en-US"/>
               <a:t>Click to edit Master text styles</a:t>
             </a:r>
           </a:p>
           <a:p>
             <a:pPr lvl="1"/>
             <a:r>
-              <a:rPr lang="en-US" smtClean="0"/>
+              <a:rPr lang="en-US"/>
               <a:t>Second level</a:t>
             </a:r>
           </a:p>
           <a:p>
             <a:pPr lvl="2"/>
             <a:r>
-              <a:rPr lang="en-US" smtClean="0"/>
+              <a:rPr lang="en-US"/>
               <a:t>Third level</a:t>
             </a:r>
           </a:p>
           <a:p>
             <a:pPr lvl="3"/>
             <a:r>
-              <a:rPr lang="en-US" smtClean="0"/>
+              <a:rPr lang="en-US"/>
               <a:t>Fourth level</a:t>
             </a:r>
           </a:p>
           <a:p>
             <a:pPr lvl="4"/>
             <a:r>
-              <a:rPr lang="en-US" smtClean="0"/>
+              <a:rPr lang="en-US"/>
               <a:t>Fifth level</a:t>
             </a:r>
-            <a:endParaRPr lang="en-US"/>
           </a:p>
         </p:txBody>
       </p:sp>
@@ -523,16 +524,15 @@
           <a:lstStyle/>
           <a:p>
             <a:r>
-              <a:rPr lang="en-US" dirty="0" smtClean="0"/>
+              <a:rPr lang="en-US" dirty="0"/>
               <a:t>Input: one dollar bill</a:t>
             </a:r>
           </a:p>
           <a:p>
             <a:r>
-              <a:rPr lang="en-US" dirty="0" smtClean="0"/>
+              <a:rPr lang="en-US" dirty="0"/>
               <a:t>Output: quarters</a:t>
             </a:r>
-            <a:endParaRPr lang="en-US" dirty="0"/>
           </a:p>
         </p:txBody>
       </p:sp>
@@ -626,41 +626,41 @@
           <a:lstStyle/>
           <a:p>
             <a:r>
-              <a:rPr lang="en-US" dirty="0" smtClean="0"/>
+              <a:rPr lang="en-US" dirty="0"/>
               <a:t>Inputs: </a:t>
             </a:r>
             <a:r>
-              <a:rPr lang="en-US" dirty="0" err="1" smtClean="0"/>
+              <a:rPr lang="en-US" dirty="0" err="1"/>
               <a:t>metrocard</a:t>
             </a:r>
             <a:r>
-              <a:rPr lang="en-US" dirty="0" smtClean="0"/>
+              <a:rPr lang="en-US" dirty="0"/>
               <a:t>,</a:t>
             </a:r>
             <a:r>
-              <a:rPr lang="en-US" baseline="0" dirty="0" smtClean="0"/>
+              <a:rPr lang="en-US" baseline="0" dirty="0"/>
               <a:t> </a:t>
             </a:r>
             <a:r>
-              <a:rPr lang="en-US" dirty="0" smtClean="0"/>
+              <a:rPr lang="en-US" dirty="0"/>
               <a:t>bills</a:t>
             </a:r>
             <a:r>
-              <a:rPr lang="en-US" baseline="0" dirty="0" smtClean="0"/>
+              <a:rPr lang="en-US" baseline="0" dirty="0"/>
               <a:t> and coins</a:t>
             </a:r>
           </a:p>
           <a:p>
             <a:r>
-              <a:rPr lang="en-US" baseline="0" dirty="0" smtClean="0"/>
+              <a:rPr lang="en-US" baseline="0" dirty="0"/>
               <a:t>Return: refilled </a:t>
             </a:r>
             <a:r>
-              <a:rPr lang="en-US" baseline="0" dirty="0" err="1" smtClean="0"/>
+              <a:rPr lang="en-US" baseline="0" dirty="0" err="1"/>
               <a:t>metrocard</a:t>
             </a:r>
             <a:r>
-              <a:rPr lang="en-US" baseline="0" dirty="0" smtClean="0"/>
+              <a:rPr lang="en-US" baseline="0" dirty="0"/>
               <a:t> ticket</a:t>
             </a:r>
             <a:endParaRPr lang="en-US" dirty="0"/>
@@ -757,49 +757,49 @@
           <a:lstStyle/>
           <a:p>
             <a:r>
-              <a:rPr lang="en-US" dirty="0" smtClean="0"/>
+              <a:rPr lang="en-US" dirty="0"/>
               <a:t>What is input: time</a:t>
             </a:r>
-            <a:endParaRPr lang="en-US" baseline="0" dirty="0" smtClean="0"/>
-          </a:p>
-          <a:p>
-            <a:r>
-              <a:rPr lang="en-US" baseline="0" dirty="0" smtClean="0"/>
+            <a:endParaRPr lang="en-US" baseline="0" dirty="0"/>
+          </a:p>
+          <a:p>
+            <a:r>
+              <a:rPr lang="en-US" baseline="0" dirty="0"/>
               <a:t>What is the return: none</a:t>
             </a:r>
           </a:p>
           <a:p>
             <a:r>
-              <a:rPr lang="en-US" baseline="0" dirty="0" smtClean="0"/>
+              <a:rPr lang="en-US" baseline="0" dirty="0"/>
               <a:t>Action taken: produce sound at that moment.</a:t>
             </a:r>
           </a:p>
           <a:p>
             <a:r>
-              <a:rPr lang="en-US" baseline="0" dirty="0" smtClean="0"/>
+              <a:rPr lang="en-US" baseline="0" dirty="0"/>
               <a:t>void alarm(Time </a:t>
             </a:r>
             <a:r>
-              <a:rPr lang="en-US" baseline="0" dirty="0" err="1" smtClean="0"/>
+              <a:rPr lang="en-US" baseline="0" dirty="0" err="1"/>
               <a:t>alarmTime</a:t>
             </a:r>
             <a:r>
-              <a:rPr lang="en-US" baseline="0" dirty="0" smtClean="0"/>
+              <a:rPr lang="en-US" baseline="0" dirty="0"/>
               <a:t>)</a:t>
             </a:r>
           </a:p>
           <a:p>
             <a:r>
-              <a:rPr lang="en-US" baseline="0" dirty="0" smtClean="0"/>
+              <a:rPr lang="en-US" baseline="0" dirty="0"/>
               <a:t>Write a program for it</a:t>
             </a:r>
           </a:p>
           <a:p>
-            <a:endParaRPr lang="en-US" baseline="0" dirty="0" smtClean="0"/>
-          </a:p>
-          <a:p>
-            <a:r>
-              <a:rPr lang="en-US" baseline="0" dirty="0" smtClean="0"/>
+            <a:endParaRPr lang="en-US" baseline="0" dirty="0"/>
+          </a:p>
+          <a:p>
+            <a:r>
+              <a:rPr lang="en-US" baseline="0" dirty="0"/>
               <a:t>Watch is a device without no input and no return.</a:t>
             </a:r>
             <a:endParaRPr lang="en-US" dirty="0"/>
@@ -896,20 +896,20 @@
           <a:lstStyle/>
           <a:p>
             <a:r>
-              <a:rPr lang="en-US" dirty="0" smtClean="0"/>
+              <a:rPr lang="en-US" dirty="0"/>
               <a:t>http://www.fairfaxcounty.gov/parks/crm/images/recipe-cornbread.jpg</a:t>
             </a:r>
           </a:p>
           <a:p>
-            <a:endParaRPr lang="en-US" dirty="0" smtClean="0"/>
-          </a:p>
-          <a:p>
-            <a:r>
-              <a:rPr lang="en-US" dirty="0" smtClean="0"/>
+            <a:endParaRPr lang="en-US" dirty="0"/>
+          </a:p>
+          <a:p>
+            <a:r>
+              <a:rPr lang="en-US" dirty="0"/>
               <a:t>In</a:t>
             </a:r>
             <a:r>
-              <a:rPr lang="en-US" baseline="0" dirty="0" smtClean="0"/>
+              <a:rPr lang="en-US" baseline="0" dirty="0"/>
               <a:t> a potluck, if I am responsible for a chocolate cake, I might cook it from scratch, or I might buy one from store directly. The point is, as long as I return you a chocolate cake, you do not need to care for the details that how I finish my job.</a:t>
             </a:r>
             <a:endParaRPr lang="en-US" dirty="0"/>
@@ -1099,16 +1099,15 @@
           <a:lstStyle/>
           <a:p>
             <a:r>
-              <a:rPr lang="en-US" dirty="0" smtClean="0"/>
+              <a:rPr lang="en-US" dirty="0"/>
               <a:t>clear method of string is</a:t>
             </a:r>
           </a:p>
           <a:p>
             <a:r>
-              <a:rPr lang="en-US" dirty="0" smtClean="0"/>
+              <a:rPr lang="en-US" dirty="0"/>
               <a:t>void clear()</a:t>
             </a:r>
-            <a:endParaRPr lang="en-US" dirty="0"/>
           </a:p>
         </p:txBody>
       </p:sp>
@@ -1202,21 +1201,21 @@
           <a:lstStyle/>
           <a:p>
             <a:r>
-              <a:rPr lang="en-US" dirty="0" err="1" smtClean="0"/>
+              <a:rPr lang="en-US" dirty="0" err="1"/>
               <a:t>System.out.print</a:t>
             </a:r>
             <a:r>
-              <a:rPr lang="en-US" baseline="0" dirty="0" smtClean="0"/>
+              <a:rPr lang="en-US" baseline="0" dirty="0"/>
               <a:t> method takes one input, has no return.</a:t>
             </a:r>
           </a:p>
           <a:p>
             <a:r>
-              <a:rPr lang="en-US" baseline="0" dirty="0" err="1" smtClean="0"/>
+              <a:rPr lang="en-US" baseline="0" dirty="0" err="1"/>
               <a:t>Math.sqrt</a:t>
             </a:r>
             <a:r>
-              <a:rPr lang="en-US" baseline="0" dirty="0" smtClean="0"/>
+              <a:rPr lang="en-US" baseline="0" dirty="0"/>
               <a:t> takes one input, has one return.</a:t>
             </a:r>
             <a:endParaRPr lang="en-US" dirty="0"/>
@@ -1313,11 +1312,11 @@
           <a:lstStyle/>
           <a:p>
             <a:r>
-              <a:rPr lang="en-US" dirty="0" err="1" smtClean="0"/>
+              <a:rPr lang="en-US" dirty="0" err="1"/>
               <a:t>Math.pow</a:t>
             </a:r>
             <a:r>
-              <a:rPr lang="en-US" baseline="0" dirty="0" smtClean="0"/>
+              <a:rPr lang="en-US" baseline="0" dirty="0"/>
               <a:t> method takes two inputs, has one return.</a:t>
             </a:r>
           </a:p>
@@ -1410,10 +1409,9 @@
           </a:lstStyle>
           <a:p>
             <a:r>
-              <a:rPr lang="en-US" smtClean="0"/>
+              <a:rPr lang="en-US"/>
               <a:t>Click to edit Master title style</a:t>
             </a:r>
-            <a:endParaRPr lang="en-US"/>
           </a:p>
         </p:txBody>
       </p:sp>
@@ -1475,10 +1473,9 @@
           </a:lstStyle>
           <a:p>
             <a:r>
-              <a:rPr lang="en-US" smtClean="0"/>
+              <a:rPr lang="en-US"/>
               <a:t>Click to edit Master subtitle style</a:t>
             </a:r>
-            <a:endParaRPr lang="en-US"/>
           </a:p>
         </p:txBody>
       </p:sp>
@@ -1499,7 +1496,7 @@
           <a:p>
             <a:fld id="{83B54030-974A-4F40-A124-394A3DC6BBAC}" type="datetimeFigureOut">
               <a:rPr lang="en-US" smtClean="0"/>
-              <a:t>9/24/2020</a:t>
+              <a:t>9/26/21</a:t>
             </a:fld>
             <a:endParaRPr lang="en-US"/>
           </a:p>
@@ -1593,10 +1590,9 @@
           <a:lstStyle/>
           <a:p>
             <a:r>
-              <a:rPr lang="en-US" smtClean="0"/>
+              <a:rPr lang="en-US"/>
               <a:t>Click to edit Master title style</a:t>
             </a:r>
-            <a:endParaRPr lang="en-US"/>
           </a:p>
         </p:txBody>
       </p:sp>
@@ -1617,38 +1613,37 @@
           <a:p>
             <a:pPr lvl="0"/>
             <a:r>
-              <a:rPr lang="en-US" smtClean="0"/>
+              <a:rPr lang="en-US"/>
               <a:t>Click to edit Master text styles</a:t>
             </a:r>
           </a:p>
           <a:p>
             <a:pPr lvl="1"/>
             <a:r>
-              <a:rPr lang="en-US" smtClean="0"/>
+              <a:rPr lang="en-US"/>
               <a:t>Second level</a:t>
             </a:r>
           </a:p>
           <a:p>
             <a:pPr lvl="2"/>
             <a:r>
-              <a:rPr lang="en-US" smtClean="0"/>
+              <a:rPr lang="en-US"/>
               <a:t>Third level</a:t>
             </a:r>
           </a:p>
           <a:p>
             <a:pPr lvl="3"/>
             <a:r>
-              <a:rPr lang="en-US" smtClean="0"/>
+              <a:rPr lang="en-US"/>
               <a:t>Fourth level</a:t>
             </a:r>
           </a:p>
           <a:p>
             <a:pPr lvl="4"/>
             <a:r>
-              <a:rPr lang="en-US" smtClean="0"/>
+              <a:rPr lang="en-US"/>
               <a:t>Fifth level</a:t>
             </a:r>
-            <a:endParaRPr lang="en-US"/>
           </a:p>
         </p:txBody>
       </p:sp>
@@ -1669,7 +1664,7 @@
           <a:p>
             <a:fld id="{83B54030-974A-4F40-A124-394A3DC6BBAC}" type="datetimeFigureOut">
               <a:rPr lang="en-US" smtClean="0"/>
-              <a:t>9/24/2020</a:t>
+              <a:t>9/26/21</a:t>
             </a:fld>
             <a:endParaRPr lang="en-US"/>
           </a:p>
@@ -1768,10 +1763,9 @@
           <a:lstStyle/>
           <a:p>
             <a:r>
-              <a:rPr lang="en-US" smtClean="0"/>
+              <a:rPr lang="en-US"/>
               <a:t>Click to edit Master title style</a:t>
             </a:r>
-            <a:endParaRPr lang="en-US"/>
           </a:p>
         </p:txBody>
       </p:sp>
@@ -1797,38 +1791,37 @@
           <a:p>
             <a:pPr lvl="0"/>
             <a:r>
-              <a:rPr lang="en-US" smtClean="0"/>
+              <a:rPr lang="en-US"/>
               <a:t>Click to edit Master text styles</a:t>
             </a:r>
           </a:p>
           <a:p>
             <a:pPr lvl="1"/>
             <a:r>
-              <a:rPr lang="en-US" smtClean="0"/>
+              <a:rPr lang="en-US"/>
               <a:t>Second level</a:t>
             </a:r>
           </a:p>
           <a:p>
             <a:pPr lvl="2"/>
             <a:r>
-              <a:rPr lang="en-US" smtClean="0"/>
+              <a:rPr lang="en-US"/>
               <a:t>Third level</a:t>
             </a:r>
           </a:p>
           <a:p>
             <a:pPr lvl="3"/>
             <a:r>
-              <a:rPr lang="en-US" smtClean="0"/>
+              <a:rPr lang="en-US"/>
               <a:t>Fourth level</a:t>
             </a:r>
           </a:p>
           <a:p>
             <a:pPr lvl="4"/>
             <a:r>
-              <a:rPr lang="en-US" smtClean="0"/>
+              <a:rPr lang="en-US"/>
               <a:t>Fifth level</a:t>
             </a:r>
-            <a:endParaRPr lang="en-US"/>
           </a:p>
         </p:txBody>
       </p:sp>
@@ -1849,7 +1842,7 @@
           <a:p>
             <a:fld id="{83B54030-974A-4F40-A124-394A3DC6BBAC}" type="datetimeFigureOut">
               <a:rPr lang="en-US" smtClean="0"/>
-              <a:t>9/24/2020</a:t>
+              <a:t>9/26/21</a:t>
             </a:fld>
             <a:endParaRPr lang="en-US"/>
           </a:p>
@@ -1943,10 +1936,9 @@
           <a:lstStyle/>
           <a:p>
             <a:r>
-              <a:rPr lang="en-US" smtClean="0"/>
+              <a:rPr lang="en-US"/>
               <a:t>Click to edit Master title style</a:t>
             </a:r>
-            <a:endParaRPr lang="en-US"/>
           </a:p>
         </p:txBody>
       </p:sp>
@@ -1967,38 +1959,37 @@
           <a:p>
             <a:pPr lvl="0"/>
             <a:r>
-              <a:rPr lang="en-US" smtClean="0"/>
+              <a:rPr lang="en-US"/>
               <a:t>Click to edit Master text styles</a:t>
             </a:r>
           </a:p>
           <a:p>
             <a:pPr lvl="1"/>
             <a:r>
-              <a:rPr lang="en-US" smtClean="0"/>
+              <a:rPr lang="en-US"/>
               <a:t>Second level</a:t>
             </a:r>
           </a:p>
           <a:p>
             <a:pPr lvl="2"/>
             <a:r>
-              <a:rPr lang="en-US" smtClean="0"/>
+              <a:rPr lang="en-US"/>
               <a:t>Third level</a:t>
             </a:r>
           </a:p>
           <a:p>
             <a:pPr lvl="3"/>
             <a:r>
-              <a:rPr lang="en-US" smtClean="0"/>
+              <a:rPr lang="en-US"/>
               <a:t>Fourth level</a:t>
             </a:r>
           </a:p>
           <a:p>
             <a:pPr lvl="4"/>
             <a:r>
-              <a:rPr lang="en-US" smtClean="0"/>
+              <a:rPr lang="en-US"/>
               <a:t>Fifth level</a:t>
             </a:r>
-            <a:endParaRPr lang="en-US"/>
           </a:p>
         </p:txBody>
       </p:sp>
@@ -2019,7 +2010,7 @@
           <a:p>
             <a:fld id="{83B54030-974A-4F40-A124-394A3DC6BBAC}" type="datetimeFigureOut">
               <a:rPr lang="en-US" smtClean="0"/>
-              <a:t>9/24/2020</a:t>
+              <a:t>9/26/21</a:t>
             </a:fld>
             <a:endParaRPr lang="en-US"/>
           </a:p>
@@ -2122,10 +2113,9 @@
           </a:lstStyle>
           <a:p>
             <a:r>
-              <a:rPr lang="en-US" smtClean="0"/>
+              <a:rPr lang="en-US"/>
               <a:t>Click to edit Master title style</a:t>
             </a:r>
-            <a:endParaRPr lang="en-US"/>
           </a:p>
         </p:txBody>
       </p:sp>
@@ -2242,7 +2232,7 @@
           <a:p>
             <a:pPr lvl="0"/>
             <a:r>
-              <a:rPr lang="en-US" smtClean="0"/>
+              <a:rPr lang="en-US"/>
               <a:t>Click to edit Master text styles</a:t>
             </a:r>
           </a:p>
@@ -2265,7 +2255,7 @@
           <a:p>
             <a:fld id="{83B54030-974A-4F40-A124-394A3DC6BBAC}" type="datetimeFigureOut">
               <a:rPr lang="en-US" smtClean="0"/>
-              <a:t>9/24/2020</a:t>
+              <a:t>9/26/21</a:t>
             </a:fld>
             <a:endParaRPr lang="en-US"/>
           </a:p>
@@ -2359,10 +2349,9 @@
           <a:lstStyle/>
           <a:p>
             <a:r>
-              <a:rPr lang="en-US" smtClean="0"/>
+              <a:rPr lang="en-US"/>
               <a:t>Click to edit Master title style</a:t>
             </a:r>
-            <a:endParaRPr lang="en-US"/>
           </a:p>
         </p:txBody>
       </p:sp>
@@ -2388,38 +2377,37 @@
           <a:p>
             <a:pPr lvl="0"/>
             <a:r>
-              <a:rPr lang="en-US" smtClean="0"/>
+              <a:rPr lang="en-US"/>
               <a:t>Click to edit Master text styles</a:t>
             </a:r>
           </a:p>
           <a:p>
             <a:pPr lvl="1"/>
             <a:r>
-              <a:rPr lang="en-US" smtClean="0"/>
+              <a:rPr lang="en-US"/>
               <a:t>Second level</a:t>
             </a:r>
           </a:p>
           <a:p>
             <a:pPr lvl="2"/>
             <a:r>
-              <a:rPr lang="en-US" smtClean="0"/>
+              <a:rPr lang="en-US"/>
               <a:t>Third level</a:t>
             </a:r>
           </a:p>
           <a:p>
             <a:pPr lvl="3"/>
             <a:r>
-              <a:rPr lang="en-US" smtClean="0"/>
+              <a:rPr lang="en-US"/>
               <a:t>Fourth level</a:t>
             </a:r>
           </a:p>
           <a:p>
             <a:pPr lvl="4"/>
             <a:r>
-              <a:rPr lang="en-US" smtClean="0"/>
+              <a:rPr lang="en-US"/>
               <a:t>Fifth level</a:t>
             </a:r>
-            <a:endParaRPr lang="en-US"/>
           </a:p>
         </p:txBody>
       </p:sp>
@@ -2445,38 +2433,37 @@
           <a:p>
             <a:pPr lvl="0"/>
             <a:r>
-              <a:rPr lang="en-US" smtClean="0"/>
+              <a:rPr lang="en-US"/>
               <a:t>Click to edit Master text styles</a:t>
             </a:r>
           </a:p>
           <a:p>
             <a:pPr lvl="1"/>
             <a:r>
-              <a:rPr lang="en-US" smtClean="0"/>
+              <a:rPr lang="en-US"/>
               <a:t>Second level</a:t>
             </a:r>
           </a:p>
           <a:p>
             <a:pPr lvl="2"/>
             <a:r>
-              <a:rPr lang="en-US" smtClean="0"/>
+              <a:rPr lang="en-US"/>
               <a:t>Third level</a:t>
             </a:r>
           </a:p>
           <a:p>
             <a:pPr lvl="3"/>
             <a:r>
-              <a:rPr lang="en-US" smtClean="0"/>
+              <a:rPr lang="en-US"/>
               <a:t>Fourth level</a:t>
             </a:r>
           </a:p>
           <a:p>
             <a:pPr lvl="4"/>
             <a:r>
-              <a:rPr lang="en-US" smtClean="0"/>
+              <a:rPr lang="en-US"/>
               <a:t>Fifth level</a:t>
             </a:r>
-            <a:endParaRPr lang="en-US"/>
           </a:p>
         </p:txBody>
       </p:sp>
@@ -2497,7 +2484,7 @@
           <a:p>
             <a:fld id="{83B54030-974A-4F40-A124-394A3DC6BBAC}" type="datetimeFigureOut">
               <a:rPr lang="en-US" smtClean="0"/>
-              <a:t>9/24/2020</a:t>
+              <a:t>9/26/21</a:t>
             </a:fld>
             <a:endParaRPr lang="en-US"/>
           </a:p>
@@ -2596,10 +2583,9 @@
           <a:lstStyle/>
           <a:p>
             <a:r>
-              <a:rPr lang="en-US" smtClean="0"/>
+              <a:rPr lang="en-US"/>
               <a:t>Click to edit Master title style</a:t>
             </a:r>
-            <a:endParaRPr lang="en-US"/>
           </a:p>
         </p:txBody>
       </p:sp>
@@ -2662,7 +2648,7 @@
           <a:p>
             <a:pPr lvl="0"/>
             <a:r>
-              <a:rPr lang="en-US" smtClean="0"/>
+              <a:rPr lang="en-US"/>
               <a:t>Click to edit Master text styles</a:t>
             </a:r>
           </a:p>
@@ -2690,38 +2676,37 @@
           <a:p>
             <a:pPr lvl="0"/>
             <a:r>
-              <a:rPr lang="en-US" smtClean="0"/>
+              <a:rPr lang="en-US"/>
               <a:t>Click to edit Master text styles</a:t>
             </a:r>
           </a:p>
           <a:p>
             <a:pPr lvl="1"/>
             <a:r>
-              <a:rPr lang="en-US" smtClean="0"/>
+              <a:rPr lang="en-US"/>
               <a:t>Second level</a:t>
             </a:r>
           </a:p>
           <a:p>
             <a:pPr lvl="2"/>
             <a:r>
-              <a:rPr lang="en-US" smtClean="0"/>
+              <a:rPr lang="en-US"/>
               <a:t>Third level</a:t>
             </a:r>
           </a:p>
           <a:p>
             <a:pPr lvl="3"/>
             <a:r>
-              <a:rPr lang="en-US" smtClean="0"/>
+              <a:rPr lang="en-US"/>
               <a:t>Fourth level</a:t>
             </a:r>
           </a:p>
           <a:p>
             <a:pPr lvl="4"/>
             <a:r>
-              <a:rPr lang="en-US" smtClean="0"/>
+              <a:rPr lang="en-US"/>
               <a:t>Fifth level</a:t>
             </a:r>
-            <a:endParaRPr lang="en-US"/>
           </a:p>
         </p:txBody>
       </p:sp>
@@ -2784,7 +2769,7 @@
           <a:p>
             <a:pPr lvl="0"/>
             <a:r>
-              <a:rPr lang="en-US" smtClean="0"/>
+              <a:rPr lang="en-US"/>
               <a:t>Click to edit Master text styles</a:t>
             </a:r>
           </a:p>
@@ -2812,38 +2797,37 @@
           <a:p>
             <a:pPr lvl="0"/>
             <a:r>
-              <a:rPr lang="en-US" smtClean="0"/>
+              <a:rPr lang="en-US"/>
               <a:t>Click to edit Master text styles</a:t>
             </a:r>
           </a:p>
           <a:p>
             <a:pPr lvl="1"/>
             <a:r>
-              <a:rPr lang="en-US" smtClean="0"/>
+              <a:rPr lang="en-US"/>
               <a:t>Second level</a:t>
             </a:r>
           </a:p>
           <a:p>
             <a:pPr lvl="2"/>
             <a:r>
-              <a:rPr lang="en-US" smtClean="0"/>
+              <a:rPr lang="en-US"/>
               <a:t>Third level</a:t>
             </a:r>
           </a:p>
           <a:p>
             <a:pPr lvl="3"/>
             <a:r>
-              <a:rPr lang="en-US" smtClean="0"/>
+              <a:rPr lang="en-US"/>
               <a:t>Fourth level</a:t>
             </a:r>
           </a:p>
           <a:p>
             <a:pPr lvl="4"/>
             <a:r>
-              <a:rPr lang="en-US" smtClean="0"/>
+              <a:rPr lang="en-US"/>
               <a:t>Fifth level</a:t>
             </a:r>
-            <a:endParaRPr lang="en-US"/>
           </a:p>
         </p:txBody>
       </p:sp>
@@ -2864,7 +2848,7 @@
           <a:p>
             <a:fld id="{83B54030-974A-4F40-A124-394A3DC6BBAC}" type="datetimeFigureOut">
               <a:rPr lang="en-US" smtClean="0"/>
-              <a:t>9/24/2020</a:t>
+              <a:t>9/26/21</a:t>
             </a:fld>
             <a:endParaRPr lang="en-US"/>
           </a:p>
@@ -2958,10 +2942,9 @@
           <a:lstStyle/>
           <a:p>
             <a:r>
-              <a:rPr lang="en-US" smtClean="0"/>
+              <a:rPr lang="en-US"/>
               <a:t>Click to edit Master title style</a:t>
             </a:r>
-            <a:endParaRPr lang="en-US"/>
           </a:p>
         </p:txBody>
       </p:sp>
@@ -2982,7 +2965,7 @@
           <a:p>
             <a:fld id="{83B54030-974A-4F40-A124-394A3DC6BBAC}" type="datetimeFigureOut">
               <a:rPr lang="en-US" smtClean="0"/>
-              <a:t>9/24/2020</a:t>
+              <a:t>9/26/21</a:t>
             </a:fld>
             <a:endParaRPr lang="en-US"/>
           </a:p>
@@ -3077,7 +3060,7 @@
           <a:p>
             <a:fld id="{83B54030-974A-4F40-A124-394A3DC6BBAC}" type="datetimeFigureOut">
               <a:rPr lang="en-US" smtClean="0"/>
-              <a:t>9/24/2020</a:t>
+              <a:t>9/26/21</a:t>
             </a:fld>
             <a:endParaRPr lang="en-US"/>
           </a:p>
@@ -3180,10 +3163,9 @@
           </a:lstStyle>
           <a:p>
             <a:r>
-              <a:rPr lang="en-US" smtClean="0"/>
+              <a:rPr lang="en-US"/>
               <a:t>Click to edit Master title style</a:t>
             </a:r>
-            <a:endParaRPr lang="en-US"/>
           </a:p>
         </p:txBody>
       </p:sp>
@@ -3237,38 +3219,37 @@
           <a:p>
             <a:pPr lvl="0"/>
             <a:r>
-              <a:rPr lang="en-US" smtClean="0"/>
+              <a:rPr lang="en-US"/>
               <a:t>Click to edit Master text styles</a:t>
             </a:r>
           </a:p>
           <a:p>
             <a:pPr lvl="1"/>
             <a:r>
-              <a:rPr lang="en-US" smtClean="0"/>
+              <a:rPr lang="en-US"/>
               <a:t>Second level</a:t>
             </a:r>
           </a:p>
           <a:p>
             <a:pPr lvl="2"/>
             <a:r>
-              <a:rPr lang="en-US" smtClean="0"/>
+              <a:rPr lang="en-US"/>
               <a:t>Third level</a:t>
             </a:r>
           </a:p>
           <a:p>
             <a:pPr lvl="3"/>
             <a:r>
-              <a:rPr lang="en-US" smtClean="0"/>
+              <a:rPr lang="en-US"/>
               <a:t>Fourth level</a:t>
             </a:r>
           </a:p>
           <a:p>
             <a:pPr lvl="4"/>
             <a:r>
-              <a:rPr lang="en-US" smtClean="0"/>
+              <a:rPr lang="en-US"/>
               <a:t>Fifth level</a:t>
             </a:r>
-            <a:endParaRPr lang="en-US"/>
           </a:p>
         </p:txBody>
       </p:sp>
@@ -3331,7 +3312,7 @@
           <a:p>
             <a:pPr lvl="0"/>
             <a:r>
-              <a:rPr lang="en-US" smtClean="0"/>
+              <a:rPr lang="en-US"/>
               <a:t>Click to edit Master text styles</a:t>
             </a:r>
           </a:p>
@@ -3354,7 +3335,7 @@
           <a:p>
             <a:fld id="{83B54030-974A-4F40-A124-394A3DC6BBAC}" type="datetimeFigureOut">
               <a:rPr lang="en-US" smtClean="0"/>
-              <a:t>9/24/2020</a:t>
+              <a:t>9/26/21</a:t>
             </a:fld>
             <a:endParaRPr lang="en-US"/>
           </a:p>
@@ -3457,10 +3438,9 @@
           </a:lstStyle>
           <a:p>
             <a:r>
-              <a:rPr lang="en-US" smtClean="0"/>
+              <a:rPr lang="en-US"/>
               <a:t>Click to edit Master title style</a:t>
             </a:r>
-            <a:endParaRPr lang="en-US"/>
           </a:p>
         </p:txBody>
       </p:sp>
@@ -3584,7 +3564,7 @@
           <a:p>
             <a:pPr lvl="0"/>
             <a:r>
-              <a:rPr lang="en-US" smtClean="0"/>
+              <a:rPr lang="en-US"/>
               <a:t>Click to edit Master text styles</a:t>
             </a:r>
           </a:p>
@@ -3607,7 +3587,7 @@
           <a:p>
             <a:fld id="{83B54030-974A-4F40-A124-394A3DC6BBAC}" type="datetimeFigureOut">
               <a:rPr lang="en-US" smtClean="0"/>
-              <a:t>9/24/2020</a:t>
+              <a:t>9/26/21</a:t>
             </a:fld>
             <a:endParaRPr lang="en-US"/>
           </a:p>
@@ -3716,10 +3696,9 @@
           <a:lstStyle/>
           <a:p>
             <a:r>
-              <a:rPr lang="en-US" smtClean="0"/>
+              <a:rPr lang="en-US"/>
               <a:t>Click to edit Master title style</a:t>
             </a:r>
-            <a:endParaRPr lang="en-US"/>
           </a:p>
         </p:txBody>
       </p:sp>
@@ -3750,38 +3729,37 @@
           <a:p>
             <a:pPr lvl="0"/>
             <a:r>
-              <a:rPr lang="en-US" smtClean="0"/>
+              <a:rPr lang="en-US"/>
               <a:t>Click to edit Master text styles</a:t>
             </a:r>
           </a:p>
           <a:p>
             <a:pPr lvl="1"/>
             <a:r>
-              <a:rPr lang="en-US" smtClean="0"/>
+              <a:rPr lang="en-US"/>
               <a:t>Second level</a:t>
             </a:r>
           </a:p>
           <a:p>
             <a:pPr lvl="2"/>
             <a:r>
-              <a:rPr lang="en-US" smtClean="0"/>
+              <a:rPr lang="en-US"/>
               <a:t>Third level</a:t>
             </a:r>
           </a:p>
           <a:p>
             <a:pPr lvl="3"/>
             <a:r>
-              <a:rPr lang="en-US" smtClean="0"/>
+              <a:rPr lang="en-US"/>
               <a:t>Fourth level</a:t>
             </a:r>
           </a:p>
           <a:p>
             <a:pPr lvl="4"/>
             <a:r>
-              <a:rPr lang="en-US" smtClean="0"/>
+              <a:rPr lang="en-US"/>
               <a:t>Fifth level</a:t>
             </a:r>
-            <a:endParaRPr lang="en-US"/>
           </a:p>
         </p:txBody>
       </p:sp>
@@ -3820,7 +3798,7 @@
           <a:p>
             <a:fld id="{83B54030-974A-4F40-A124-394A3DC6BBAC}" type="datetimeFigureOut">
               <a:rPr lang="en-US" smtClean="0"/>
-              <a:t>9/24/2020</a:t>
+              <a:t>9/26/21</a:t>
             </a:fld>
             <a:endParaRPr lang="en-US"/>
           </a:p>
@@ -4241,10 +4219,9 @@
           <a:lstStyle/>
           <a:p>
             <a:r>
-              <a:rPr lang="en-US" dirty="0" smtClean="0"/>
+              <a:rPr lang="en-US" dirty="0"/>
               <a:t>Introduce to method</a:t>
             </a:r>
-            <a:endParaRPr lang="en-US" dirty="0"/>
           </a:p>
         </p:txBody>
       </p:sp>
@@ -4277,13 +4254,6 @@
   <p:clrMapOvr>
     <a:masterClrMapping/>
   </p:clrMapOvr>
-  <p:timing>
-    <p:tnLst>
-      <p:par>
-        <p:cTn id="1" dur="indefinite" restart="never" nodeType="tmRoot"/>
-      </p:par>
-    </p:tnLst>
-  </p:timing>
 </p:sld>
 </file>
 
@@ -4320,10 +4290,9 @@
           <a:lstStyle/>
           <a:p>
             <a:r>
-              <a:rPr lang="en-US" dirty="0" smtClean="0"/>
+              <a:rPr lang="en-US" dirty="0"/>
               <a:t>Existing method with two inputs</a:t>
             </a:r>
-            <a:endParaRPr lang="en-US" dirty="0"/>
           </a:p>
         </p:txBody>
       </p:sp>
@@ -4346,15 +4315,11 @@
               <a:buNone/>
             </a:pPr>
             <a:r>
-              <a:rPr lang="en-US" dirty="0" smtClean="0"/>
-              <a:t>pow(2</a:t>
-            </a:r>
-            <a:r>
-              <a:rPr lang="en-US" dirty="0" smtClean="0"/>
-              <a:t>, 3)  </a:t>
-            </a:r>
-            <a:r>
-              <a:rPr lang="en-US" dirty="0" smtClean="0">
+              <a:rPr lang="en-US" dirty="0"/>
+              <a:t>pow(2, 3)  </a:t>
+            </a:r>
+            <a:r>
+              <a:rPr lang="en-US" dirty="0">
                 <a:solidFill>
                   <a:srgbClr val="FF0000"/>
                 </a:solidFill>
@@ -4372,7 +4337,7 @@
             <a:pPr marL="0" indent="0">
               <a:buNone/>
             </a:pPr>
-            <a:endParaRPr lang="en-US" dirty="0" smtClean="0"/>
+            <a:endParaRPr lang="en-US" dirty="0"/>
           </a:p>
           <a:p>
             <a:pPr marL="0" indent="0">
@@ -4386,13 +4351,8 @@
             </a:pPr>
             <a:r>
               <a:rPr lang="en-US" dirty="0"/>
-              <a:t>p</a:t>
-            </a:r>
-            <a:r>
-              <a:rPr lang="en-US" dirty="0" smtClean="0"/>
-              <a:t>ow(3, 2)</a:t>
-            </a:r>
-            <a:endParaRPr lang="en-US" dirty="0"/>
+              <a:t>pow(3, 2)</a:t>
+            </a:r>
           </a:p>
         </p:txBody>
       </p:sp>
@@ -5286,13 +5246,6 @@
   <p:clrMapOvr>
     <a:masterClrMapping/>
   </p:clrMapOvr>
-  <p:timing>
-    <p:tnLst>
-      <p:par>
-        <p:cTn id="1" dur="indefinite" restart="never" nodeType="tmRoot"/>
-      </p:par>
-    </p:tnLst>
-  </p:timing>
 </p:sld>
 </file>
 
@@ -5329,11 +5282,11 @@
           <a:lstStyle/>
           <a:p>
             <a:r>
-              <a:rPr lang="en-US" dirty="0" smtClean="0"/>
+              <a:rPr lang="en-US" dirty="0"/>
               <a:t>Caller vs. </a:t>
             </a:r>
             <a:r>
-              <a:rPr lang="en-US" dirty="0" err="1" smtClean="0"/>
+              <a:rPr lang="en-US" dirty="0" err="1"/>
               <a:t>callee</a:t>
             </a:r>
             <a:endParaRPr lang="en-US" dirty="0"/>
@@ -5356,81 +5309,81 @@
           <a:lstStyle/>
           <a:p>
             <a:r>
-              <a:rPr lang="en-US" dirty="0" err="1" smtClean="0"/>
+              <a:rPr lang="en-US" dirty="0" err="1"/>
               <a:t>Callee</a:t>
             </a:r>
             <a:r>
-              <a:rPr lang="en-US" dirty="0" smtClean="0"/>
+              <a:rPr lang="en-US" dirty="0"/>
               <a:t>: the method being called</a:t>
             </a:r>
           </a:p>
           <a:p>
             <a:r>
-              <a:rPr lang="en-US" dirty="0" smtClean="0"/>
+              <a:rPr lang="en-US" dirty="0"/>
               <a:t>Caller: the method that calls another method</a:t>
             </a:r>
           </a:p>
           <a:p>
             <a:r>
-              <a:rPr lang="en-US" dirty="0" smtClean="0"/>
+              <a:rPr lang="en-US" dirty="0"/>
               <a:t>The roles of caller and </a:t>
             </a:r>
             <a:r>
-              <a:rPr lang="en-US" dirty="0" err="1" smtClean="0"/>
+              <a:rPr lang="en-US" dirty="0" err="1"/>
               <a:t>callee</a:t>
             </a:r>
             <a:r>
-              <a:rPr lang="en-US" dirty="0" smtClean="0"/>
+              <a:rPr lang="en-US" dirty="0"/>
               <a:t> are relative.</a:t>
             </a:r>
           </a:p>
           <a:p>
             <a:pPr lvl="1"/>
             <a:r>
-              <a:rPr lang="en-US" dirty="0" smtClean="0"/>
+              <a:rPr lang="en-US" dirty="0"/>
               <a:t>main method calls </a:t>
             </a:r>
             <a:r>
-              <a:rPr lang="en-US" dirty="0" err="1" smtClean="0"/>
+              <a:rPr lang="en-US" dirty="0" err="1"/>
               <a:t>isPrime</a:t>
             </a:r>
             <a:r>
-              <a:rPr lang="en-US" dirty="0" smtClean="0"/>
+              <a:rPr lang="en-US" dirty="0"/>
               <a:t> method, and </a:t>
             </a:r>
             <a:r>
-              <a:rPr lang="en-US" dirty="0" err="1" smtClean="0"/>
+              <a:rPr lang="en-US" dirty="0" err="1"/>
               <a:t>isPrime</a:t>
             </a:r>
             <a:r>
-              <a:rPr lang="en-US" dirty="0" smtClean="0"/>
+              <a:rPr lang="en-US" dirty="0"/>
               <a:t> method can call </a:t>
             </a:r>
             <a:r>
-              <a:rPr lang="en-US" dirty="0" err="1" smtClean="0"/>
+              <a:rPr lang="en-US" dirty="0" err="1"/>
               <a:t>isFactor</a:t>
             </a:r>
             <a:r>
-              <a:rPr lang="en-US" dirty="0" smtClean="0"/>
+              <a:rPr lang="en-US" dirty="0"/>
               <a:t> method.</a:t>
             </a:r>
           </a:p>
           <a:p>
             <a:pPr lvl="1"/>
             <a:r>
-              <a:rPr lang="en-US" dirty="0" smtClean="0"/>
+              <a:rPr lang="en-US" dirty="0"/>
               <a:t>So, </a:t>
             </a:r>
             <a:r>
-              <a:rPr lang="en-US" dirty="0" err="1" smtClean="0"/>
+              <a:rPr lang="en-US" dirty="0" err="1"/>
               <a:t>isPrime</a:t>
             </a:r>
             <a:r>
-              <a:rPr lang="en-US" dirty="0" smtClean="0"/>
+              <a:rPr lang="en-US" dirty="0"/>
               <a:t> is both a caller and a </a:t>
             </a:r>
             <a:r>
-              <a:rPr lang="en-US" dirty="0" err="1" smtClean="0"/>
+              <a:rPr lang="en-US" dirty="0" err="1"/>
               <a:t>callee</a:t>
             </a:r>
             <a:endParaRPr lang="en-US" dirty="0"/>
@@ -5447,13 +5400,6 @@
   <p:clrMapOvr>
     <a:masterClrMapping/>
   </p:clrMapOvr>
-  <p:timing>
-    <p:tnLst>
-      <p:par>
-        <p:cTn id="1" dur="indefinite" restart="never" nodeType="tmRoot"/>
-      </p:par>
-    </p:tnLst>
-  </p:timing>
 </p:sld>
 </file>
 
@@ -5492,10 +5438,9 @@
           <a:lstStyle/>
           <a:p>
             <a:r>
-              <a:rPr lang="en-US" dirty="0" smtClean="0"/>
+              <a:rPr lang="en-US" dirty="0"/>
               <a:t>When a method is called</a:t>
             </a:r>
-            <a:endParaRPr lang="en-US" dirty="0"/>
           </a:p>
         </p:txBody>
       </p:sp>
@@ -5517,80 +5462,80 @@
           <a:lstStyle/>
           <a:p>
             <a:r>
-              <a:rPr lang="en-US" dirty="0" smtClean="0"/>
+              <a:rPr lang="en-US" dirty="0"/>
               <a:t>Caller saves</a:t>
             </a:r>
           </a:p>
           <a:p>
             <a:pPr lvl="1"/>
             <a:r>
-              <a:rPr lang="en-US" dirty="0" smtClean="0"/>
+              <a:rPr lang="en-US" dirty="0"/>
               <a:t>local variables</a:t>
             </a:r>
           </a:p>
           <a:p>
             <a:pPr lvl="1"/>
             <a:r>
-              <a:rPr lang="en-US" dirty="0" smtClean="0"/>
+              <a:rPr lang="en-US" dirty="0"/>
               <a:t>return point (what is the next instruction to run after finishing calling a method)</a:t>
             </a:r>
           </a:p>
           <a:p>
             <a:r>
-              <a:rPr lang="en-US" dirty="0" smtClean="0"/>
+              <a:rPr lang="en-US" dirty="0"/>
               <a:t>Caller passes parameter list to </a:t>
             </a:r>
             <a:r>
-              <a:rPr lang="en-US" dirty="0" err="1" smtClean="0"/>
+              <a:rPr lang="en-US" dirty="0" err="1"/>
               <a:t>callee</a:t>
             </a:r>
             <a:r>
-              <a:rPr lang="en-US" dirty="0" smtClean="0"/>
+              <a:rPr lang="en-US" dirty="0"/>
               <a:t>.</a:t>
             </a:r>
           </a:p>
           <a:p>
             <a:r>
-              <a:rPr lang="en-US" dirty="0" smtClean="0"/>
+              <a:rPr lang="en-US" dirty="0"/>
               <a:t>Caller yields control to </a:t>
             </a:r>
             <a:r>
-              <a:rPr lang="en-US" dirty="0" err="1" smtClean="0"/>
+              <a:rPr lang="en-US" dirty="0" err="1"/>
               <a:t>callee</a:t>
             </a:r>
             <a:r>
-              <a:rPr lang="en-US" dirty="0" smtClean="0"/>
+              <a:rPr lang="en-US" dirty="0"/>
               <a:t>.</a:t>
             </a:r>
           </a:p>
           <a:p>
             <a:r>
-              <a:rPr lang="en-US" dirty="0" err="1" smtClean="0"/>
+              <a:rPr lang="en-US" dirty="0" err="1"/>
               <a:t>Callee</a:t>
             </a:r>
             <a:r>
-              <a:rPr lang="en-US" dirty="0" smtClean="0"/>
+              <a:rPr lang="en-US" dirty="0"/>
               <a:t> works with the input parameters and returns something if required.</a:t>
             </a:r>
           </a:p>
           <a:p>
             <a:r>
-              <a:rPr lang="en-US" dirty="0" err="1" smtClean="0"/>
+              <a:rPr lang="en-US" dirty="0" err="1"/>
               <a:t>Callee</a:t>
             </a:r>
             <a:r>
-              <a:rPr lang="en-US" dirty="0" smtClean="0"/>
+              <a:rPr lang="en-US" dirty="0"/>
               <a:t> yields control to caller.</a:t>
             </a:r>
           </a:p>
           <a:p>
             <a:r>
-              <a:rPr lang="en-US" dirty="0" smtClean="0"/>
+              <a:rPr lang="en-US" dirty="0"/>
               <a:t>Caller continue to work from the return point.</a:t>
             </a:r>
           </a:p>
           <a:p>
-            <a:endParaRPr lang="en-US" dirty="0" smtClean="0"/>
+            <a:endParaRPr lang="en-US" dirty="0"/>
           </a:p>
           <a:p>
             <a:pPr lvl="1"/>
@@ -5608,13 +5553,6 @@
   <p:clrMapOvr>
     <a:masterClrMapping/>
   </p:clrMapOvr>
-  <p:timing>
-    <p:tnLst>
-      <p:par>
-        <p:cTn id="1" dur="indefinite" restart="never" nodeType="tmRoot"/>
-      </p:par>
-    </p:tnLst>
-  </p:timing>
 </p:sld>
 </file>
 
@@ -5653,10 +5591,9 @@
           <a:lstStyle/>
           <a:p>
             <a:r>
-              <a:rPr lang="en-US" dirty="0" smtClean="0"/>
+              <a:rPr lang="en-US" dirty="0"/>
               <a:t>An example on calling method</a:t>
             </a:r>
-            <a:endParaRPr lang="en-US" dirty="0"/>
           </a:p>
         </p:txBody>
       </p:sp>
@@ -5683,67 +5620,55 @@
           <a:lstStyle/>
           <a:p>
             <a:r>
-              <a:rPr lang="en-US" dirty="0" smtClean="0"/>
+              <a:rPr lang="en-US" dirty="0"/>
               <a:t>You call a pizza store. Tell them what kind of pizza you want.</a:t>
             </a:r>
           </a:p>
           <a:p>
             <a:r>
-              <a:rPr lang="en-US" dirty="0" smtClean="0"/>
+              <a:rPr lang="en-US" dirty="0"/>
               <a:t>Someone delivered  a pizza to you.</a:t>
             </a:r>
           </a:p>
           <a:p>
             <a:r>
-              <a:rPr lang="en-US" dirty="0" smtClean="0"/>
+              <a:rPr lang="en-US" dirty="0"/>
               <a:t>You get the pizza, then continue to work with it: you may eat it, or bring it to a party, or study for the ingredients</a:t>
             </a:r>
             <a:r>
-              <a:rPr lang="mr-IN" dirty="0" smtClean="0"/>
+              <a:rPr lang="mr-IN" dirty="0"/>
               <a:t>…</a:t>
             </a:r>
             <a:r>
-              <a:rPr lang="en-US" dirty="0" smtClean="0"/>
+              <a:rPr lang="en-US" dirty="0"/>
               <a:t> whichever way you like for the pizza. </a:t>
             </a:r>
           </a:p>
           <a:p>
             <a:r>
-              <a:rPr lang="en-US" dirty="0" smtClean="0"/>
+              <a:rPr lang="en-US" dirty="0"/>
               <a:t>Start from 18th second: </a:t>
-            </a:r>
-            <a:r>
-              <a:rPr lang="en-US" dirty="0" smtClean="0">
-                <a:hlinkClick r:id="rId2"/>
-              </a:rPr>
-              <a:t>https</a:t>
             </a:r>
             <a:r>
               <a:rPr lang="en-US" dirty="0">
                 <a:hlinkClick r:id="rId2"/>
               </a:rPr>
-              <a:t>://</a:t>
-            </a:r>
-            <a:r>
-              <a:rPr lang="en-US" dirty="0" smtClean="0">
-                <a:hlinkClick r:id="rId2"/>
-              </a:rPr>
-              <a:t>www.youtube.com/watch?v=D_5Ee4OTt1o</a:t>
-            </a:r>
-            <a:endParaRPr lang="en-US" dirty="0" smtClean="0"/>
+              <a:t>https://www.youtube.com/watch?v=D_5Ee4OTt1o</a:t>
+            </a:r>
+            <a:endParaRPr lang="en-US" dirty="0"/>
           </a:p>
           <a:p>
             <a:pPr lvl="1"/>
             <a:r>
-              <a:rPr lang="en-US" dirty="0" smtClean="0"/>
+              <a:rPr lang="en-US" dirty="0"/>
               <a:t>Questions: who is  a caller and who is a </a:t>
             </a:r>
             <a:r>
-              <a:rPr lang="en-US" dirty="0" err="1" smtClean="0"/>
+              <a:rPr lang="en-US" dirty="0" err="1"/>
               <a:t>callee</a:t>
             </a:r>
             <a:r>
-              <a:rPr lang="en-US" dirty="0" smtClean="0"/>
+              <a:rPr lang="en-US" dirty="0"/>
               <a:t>?</a:t>
             </a:r>
           </a:p>
@@ -5759,13 +5684,6 @@
   <p:clrMapOvr>
     <a:masterClrMapping/>
   </p:clrMapOvr>
-  <p:timing>
-    <p:tnLst>
-      <p:par>
-        <p:cTn id="1" dur="indefinite" restart="never" nodeType="tmRoot"/>
-      </p:par>
-    </p:tnLst>
-  </p:timing>
 </p:sld>
 </file>
 
@@ -5802,11 +5720,11 @@
           <a:lstStyle/>
           <a:p>
             <a:r>
-              <a:rPr lang="en-US" dirty="0" smtClean="0"/>
+              <a:rPr lang="en-US" dirty="0"/>
               <a:t>Relation between caller and </a:t>
             </a:r>
             <a:r>
-              <a:rPr lang="en-US" dirty="0" err="1" smtClean="0"/>
+              <a:rPr lang="en-US" dirty="0" err="1"/>
               <a:t>callee</a:t>
             </a:r>
             <a:endParaRPr lang="en-US" dirty="0"/>
@@ -5831,12 +5749,12 @@
           <a:lstStyle/>
           <a:p>
             <a:r>
-              <a:rPr lang="en-US" dirty="0" smtClean="0"/>
+              <a:rPr lang="en-US" dirty="0"/>
               <a:t>Given the following code.</a:t>
             </a:r>
           </a:p>
           <a:p>
-            <a:endParaRPr lang="en-US" dirty="0" smtClean="0"/>
+            <a:endParaRPr lang="en-US" dirty="0"/>
           </a:p>
         </p:txBody>
       </p:sp>
@@ -5898,13 +5816,336 @@
   <p:clrMapOvr>
     <a:masterClrMapping/>
   </p:clrMapOvr>
-  <p:timing>
-    <p:tnLst>
-      <p:par>
-        <p:cTn id="1" dur="indefinite" restart="never" nodeType="tmRoot"/>
-      </p:par>
-    </p:tnLst>
-  </p:timing>
+</p:sld>
+</file>
+
+<file path=ppt/slides/slide15.xml><?xml version="1.0" encoding="utf-8"?>
+<p:sld xmlns:a="http://schemas.openxmlformats.org/drawingml/2006/main" xmlns:r="http://schemas.openxmlformats.org/officeDocument/2006/relationships" xmlns:p="http://schemas.openxmlformats.org/presentationml/2006/main">
+  <p:cSld>
+    <p:spTree>
+      <p:nvGrpSpPr>
+        <p:cNvPr id="1" name=""/>
+        <p:cNvGrpSpPr/>
+        <p:nvPr/>
+      </p:nvGrpSpPr>
+      <p:grpSpPr>
+        <a:xfrm>
+          <a:off x="0" y="0"/>
+          <a:ext cx="0" cy="0"/>
+          <a:chOff x="0" y="0"/>
+          <a:chExt cx="0" cy="0"/>
+        </a:xfrm>
+      </p:grpSpPr>
+      <p:sp>
+        <p:nvSpPr>
+          <p:cNvPr id="2" name="Title 1">
+            <a:extLst>
+              <a:ext uri="{FF2B5EF4-FFF2-40B4-BE49-F238E27FC236}">
+                <a16:creationId xmlns:a16="http://schemas.microsoft.com/office/drawing/2014/main" id="{D5BDF54D-C650-F847-B52D-8A679FBEC24F}"/>
+              </a:ext>
+            </a:extLst>
+          </p:cNvPr>
+          <p:cNvSpPr>
+            <a:spLocks noGrp="1"/>
+          </p:cNvSpPr>
+          <p:nvPr>
+            <p:ph type="title"/>
+          </p:nvPr>
+        </p:nvSpPr>
+        <p:spPr/>
+        <p:txBody>
+          <a:bodyPr/>
+          <a:lstStyle/>
+          <a:p>
+            <a:r>
+              <a:rPr lang="en-US" dirty="0"/>
+              <a:t>Related: function in math</a:t>
+            </a:r>
+          </a:p>
+        </p:txBody>
+      </p:sp>
+      <p:sp>
+        <p:nvSpPr>
+          <p:cNvPr id="3" name="Content Placeholder 2">
+            <a:extLst>
+              <a:ext uri="{FF2B5EF4-FFF2-40B4-BE49-F238E27FC236}">
+                <a16:creationId xmlns:a16="http://schemas.microsoft.com/office/drawing/2014/main" id="{58B350CC-FC94-5046-B3DD-AC71E91E0202}"/>
+              </a:ext>
+            </a:extLst>
+          </p:cNvPr>
+          <p:cNvSpPr>
+            <a:spLocks noGrp="1"/>
+          </p:cNvSpPr>
+          <p:nvPr>
+            <p:ph idx="1"/>
+          </p:nvPr>
+        </p:nvSpPr>
+        <p:spPr/>
+        <p:txBody>
+          <a:bodyPr/>
+          <a:lstStyle/>
+          <a:p>
+            <a:r>
+              <a:rPr lang="en-US" dirty="0"/>
+              <a:t>Definition: f(x) = x</a:t>
+            </a:r>
+            <a:r>
+              <a:rPr lang="en-US" baseline="30000" dirty="0"/>
+              <a:t>2</a:t>
+            </a:r>
+            <a:r>
+              <a:rPr lang="en-US" dirty="0"/>
+              <a:t>, where f is function name, x is parameter, and x</a:t>
+            </a:r>
+            <a:r>
+              <a:rPr lang="en-US" baseline="30000" dirty="0"/>
+              <a:t>2 </a:t>
+            </a:r>
+            <a:r>
+              <a:rPr lang="en-US" dirty="0"/>
+              <a:t>is the functionality of a function (aka, what a function can do).</a:t>
+            </a:r>
+          </a:p>
+          <a:p>
+            <a:r>
+              <a:rPr lang="en-US" dirty="0"/>
+              <a:t>Call the above function to find out f(3), it will return 3</a:t>
+            </a:r>
+            <a:r>
+              <a:rPr lang="en-US" baseline="30000" dirty="0"/>
+              <a:t>2</a:t>
+            </a:r>
+            <a:r>
+              <a:rPr lang="en-US" dirty="0"/>
+              <a:t>, which is 9.</a:t>
+            </a:r>
+          </a:p>
+          <a:p>
+            <a:r>
+              <a:rPr lang="en-US" dirty="0"/>
+              <a:t>In math, only work with numbers, but in computer, the types can range from int, double, char, …, to string, and so on.</a:t>
+            </a:r>
+          </a:p>
+        </p:txBody>
+      </p:sp>
+    </p:spTree>
+    <p:extLst>
+      <p:ext uri="{BB962C8B-B14F-4D97-AF65-F5344CB8AC3E}">
+        <p14:creationId xmlns:p14="http://schemas.microsoft.com/office/powerpoint/2010/main" val="1137180079"/>
+      </p:ext>
+    </p:extLst>
+  </p:cSld>
+  <p:clrMapOvr>
+    <a:masterClrMapping/>
+  </p:clrMapOvr>
+</p:sld>
+</file>
+
+<file path=ppt/slides/slide16.xml><?xml version="1.0" encoding="utf-8"?>
+<p:sld xmlns:a="http://schemas.openxmlformats.org/drawingml/2006/main" xmlns:r="http://schemas.openxmlformats.org/officeDocument/2006/relationships" xmlns:p="http://schemas.openxmlformats.org/presentationml/2006/main">
+  <p:cSld>
+    <p:spTree>
+      <p:nvGrpSpPr>
+        <p:cNvPr id="1" name=""/>
+        <p:cNvGrpSpPr/>
+        <p:nvPr/>
+      </p:nvGrpSpPr>
+      <p:grpSpPr>
+        <a:xfrm>
+          <a:off x="0" y="0"/>
+          <a:ext cx="0" cy="0"/>
+          <a:chOff x="0" y="0"/>
+          <a:chExt cx="0" cy="0"/>
+        </a:xfrm>
+      </p:grpSpPr>
+      <p:sp>
+        <p:nvSpPr>
+          <p:cNvPr id="2" name="Title 1">
+            <a:extLst>
+              <a:ext uri="{FF2B5EF4-FFF2-40B4-BE49-F238E27FC236}">
+                <a16:creationId xmlns:a16="http://schemas.microsoft.com/office/drawing/2014/main" id="{E8E0CE89-695B-EA47-8499-DD2E0FB7B217}"/>
+              </a:ext>
+            </a:extLst>
+          </p:cNvPr>
+          <p:cNvSpPr>
+            <a:spLocks noGrp="1"/>
+          </p:cNvSpPr>
+          <p:nvPr>
+            <p:ph type="title"/>
+          </p:nvPr>
+        </p:nvSpPr>
+        <p:spPr/>
+        <p:txBody>
+          <a:bodyPr/>
+          <a:lstStyle/>
+          <a:p>
+            <a:r>
+              <a:rPr lang="en-US" dirty="0"/>
+              <a:t>Function in C++</a:t>
+            </a:r>
+          </a:p>
+        </p:txBody>
+      </p:sp>
+      <p:sp>
+        <p:nvSpPr>
+          <p:cNvPr id="3" name="Content Placeholder 2">
+            <a:extLst>
+              <a:ext uri="{FF2B5EF4-FFF2-40B4-BE49-F238E27FC236}">
+                <a16:creationId xmlns:a16="http://schemas.microsoft.com/office/drawing/2014/main" id="{957BF84A-CBE2-7F4E-8271-0F37D1CF160E}"/>
+              </a:ext>
+            </a:extLst>
+          </p:cNvPr>
+          <p:cNvSpPr>
+            <a:spLocks noGrp="1"/>
+          </p:cNvSpPr>
+          <p:nvPr>
+            <p:ph idx="1"/>
+          </p:nvPr>
+        </p:nvSpPr>
+        <p:spPr/>
+        <p:txBody>
+          <a:bodyPr>
+            <a:normAutofit fontScale="92500" lnSpcReduction="10000"/>
+          </a:bodyPr>
+          <a:lstStyle/>
+          <a:p>
+            <a:r>
+              <a:rPr lang="en-US" dirty="0"/>
+              <a:t>In C++, when define a function,</a:t>
+            </a:r>
+          </a:p>
+          <a:p>
+            <a:pPr marL="0" indent="0">
+              <a:buNone/>
+            </a:pPr>
+            <a:r>
+              <a:rPr lang="en-US" dirty="0" err="1"/>
+              <a:t>return_type</a:t>
+            </a:r>
+            <a:r>
+              <a:rPr lang="en-US" dirty="0"/>
+              <a:t> </a:t>
+            </a:r>
+            <a:r>
+              <a:rPr lang="en-US" dirty="0" err="1"/>
+              <a:t>function_name</a:t>
+            </a:r>
+            <a:r>
+              <a:rPr lang="en-US" dirty="0"/>
+              <a:t>(</a:t>
+            </a:r>
+            <a:r>
+              <a:rPr lang="en-US" dirty="0" err="1"/>
+              <a:t>parameter_list</a:t>
+            </a:r>
+            <a:r>
+              <a:rPr lang="en-US" dirty="0"/>
+              <a:t>) </a:t>
+            </a:r>
+          </a:p>
+          <a:p>
+            <a:pPr marL="0" indent="0">
+              <a:buNone/>
+            </a:pPr>
+            <a:r>
+              <a:rPr lang="en-US" dirty="0"/>
+              <a:t>      //there can be 0, 1, or more parameters, </a:t>
+            </a:r>
+          </a:p>
+          <a:p>
+            <a:pPr marL="0" indent="0">
+              <a:buNone/>
+            </a:pPr>
+            <a:r>
+              <a:rPr lang="en-US" dirty="0"/>
+              <a:t>      //parameter list is </a:t>
+            </a:r>
+            <a:r>
+              <a:rPr lang="en-US" u="sng" dirty="0"/>
+              <a:t>type </a:t>
+            </a:r>
+            <a:r>
+              <a:rPr lang="en-US" u="sng" dirty="0" err="1"/>
+              <a:t>parameter_name</a:t>
+            </a:r>
+            <a:r>
+              <a:rPr lang="en-US" dirty="0"/>
+              <a:t> separated by comma (,)</a:t>
+            </a:r>
+          </a:p>
+          <a:p>
+            <a:pPr marL="0" indent="0">
+              <a:buNone/>
+            </a:pPr>
+            <a:r>
+              <a:rPr lang="en-US" dirty="0"/>
+              <a:t>{</a:t>
+            </a:r>
+          </a:p>
+          <a:p>
+            <a:pPr marL="0" indent="0">
+              <a:buNone/>
+            </a:pPr>
+            <a:r>
+              <a:rPr lang="en-US" dirty="0"/>
+              <a:t>      //functionality, what to do with the parameters</a:t>
+            </a:r>
+          </a:p>
+          <a:p>
+            <a:pPr marL="0" indent="0">
+              <a:buNone/>
+            </a:pPr>
+            <a:r>
+              <a:rPr lang="en-US" dirty="0"/>
+              <a:t>}</a:t>
+            </a:r>
+          </a:p>
+          <a:p>
+            <a:r>
+              <a:rPr lang="en-US" dirty="0"/>
+              <a:t>In C++, to call a function</a:t>
+            </a:r>
+          </a:p>
+          <a:p>
+            <a:pPr marL="0" indent="0">
+              <a:buNone/>
+            </a:pPr>
+            <a:r>
+              <a:rPr lang="en-US" dirty="0"/>
+              <a:t>   </a:t>
+            </a:r>
+            <a:r>
+              <a:rPr lang="en-US" dirty="0" err="1"/>
+              <a:t>functionName</a:t>
+            </a:r>
+            <a:r>
+              <a:rPr lang="en-US" dirty="0"/>
+              <a:t>(</a:t>
+            </a:r>
+            <a:r>
+              <a:rPr lang="en-US" dirty="0" err="1"/>
+              <a:t>actual_parameter_list</a:t>
+            </a:r>
+            <a:r>
+              <a:rPr lang="en-US" dirty="0"/>
+              <a:t>); //if return type is not void, can put the return of function to a variable with the same type as return type.</a:t>
+            </a:r>
+          </a:p>
+          <a:p>
+            <a:endParaRPr lang="en-US" dirty="0"/>
+          </a:p>
+        </p:txBody>
+      </p:sp>
+    </p:spTree>
+    <p:extLst>
+      <p:ext uri="{BB962C8B-B14F-4D97-AF65-F5344CB8AC3E}">
+        <p14:creationId xmlns:p14="http://schemas.microsoft.com/office/powerpoint/2010/main" val="3035379535"/>
+      </p:ext>
+    </p:extLst>
+  </p:cSld>
+  <p:clrMapOvr>
+    <a:masterClrMapping/>
+  </p:clrMapOvr>
 </p:sld>
 </file>
 
@@ -5941,10 +6182,9 @@
           <a:lstStyle/>
           <a:p>
             <a:r>
-              <a:rPr lang="en-US" dirty="0" smtClean="0"/>
+              <a:rPr lang="en-US" dirty="0"/>
               <a:t>Input and return</a:t>
             </a:r>
-            <a:endParaRPr lang="en-US" dirty="0"/>
           </a:p>
         </p:txBody>
       </p:sp>
@@ -5966,29 +6206,28 @@
           <a:lstStyle/>
           <a:p>
             <a:r>
-              <a:rPr lang="en-US" dirty="0" smtClean="0"/>
+              <a:rPr lang="en-US" dirty="0"/>
               <a:t>Device concentrates on one useful task.</a:t>
             </a:r>
           </a:p>
           <a:p>
             <a:pPr lvl="1"/>
             <a:r>
-              <a:rPr lang="en-US" dirty="0" smtClean="0"/>
+              <a:rPr lang="en-US" dirty="0"/>
               <a:t>For example, a bread machine.</a:t>
             </a:r>
           </a:p>
           <a:p>
             <a:r>
-              <a:rPr lang="en-US" dirty="0" smtClean="0"/>
+              <a:rPr lang="en-US" dirty="0"/>
               <a:t>Input is like the materials needed to feed into the device for it to start working.</a:t>
             </a:r>
           </a:p>
           <a:p>
             <a:r>
-              <a:rPr lang="en-US" dirty="0" smtClean="0"/>
+              <a:rPr lang="en-US" dirty="0"/>
               <a:t>Return is like the results given to the user that uses the device.</a:t>
             </a:r>
-            <a:endParaRPr lang="en-US" dirty="0"/>
           </a:p>
         </p:txBody>
       </p:sp>
@@ -6056,13 +6295,6 @@
   <p:clrMapOvr>
     <a:masterClrMapping/>
   </p:clrMapOvr>
-  <p:timing>
-    <p:tnLst>
-      <p:par>
-        <p:cTn id="1" dur="indefinite" restart="never" nodeType="tmRoot"/>
-      </p:par>
-    </p:tnLst>
-  </p:timing>
 </p:sld>
 </file>
 
@@ -6099,10 +6331,9 @@
           <a:lstStyle/>
           <a:p>
             <a:r>
-              <a:rPr lang="en-US" dirty="0" smtClean="0"/>
+              <a:rPr lang="en-US" dirty="0"/>
               <a:t>Input and Return: quarter changer</a:t>
             </a:r>
-            <a:endParaRPr lang="en-US" dirty="0"/>
           </a:p>
         </p:txBody>
       </p:sp>
@@ -6125,7 +6356,7 @@
               <a:buNone/>
             </a:pPr>
             <a:r>
-              <a:rPr lang="en-US" dirty="0" smtClean="0">
+              <a:rPr lang="en-US" dirty="0">
                 <a:solidFill>
                   <a:srgbClr val="FF0000"/>
                 </a:solidFill>
@@ -6133,11 +6364,11 @@
               <a:t>Input</a:t>
             </a:r>
             <a:r>
-              <a:rPr lang="en-US" dirty="0" smtClean="0"/>
+              <a:rPr lang="en-US" dirty="0"/>
               <a:t> dollar bill and </a:t>
             </a:r>
             <a:r>
-              <a:rPr lang="en-US" dirty="0" smtClean="0">
+              <a:rPr lang="en-US" dirty="0">
                 <a:solidFill>
                   <a:srgbClr val="0E31E2"/>
                 </a:solidFill>
@@ -6145,10 +6376,9 @@
               <a:t>return </a:t>
             </a:r>
             <a:r>
-              <a:rPr lang="en-US" dirty="0" smtClean="0"/>
+              <a:rPr lang="en-US" dirty="0"/>
               <a:t>quarters</a:t>
             </a:r>
-            <a:endParaRPr lang="en-US" dirty="0"/>
           </a:p>
         </p:txBody>
       </p:sp>
@@ -6719,15 +6949,7 @@
           <a:p>
             <a:r>
               <a:rPr lang="en-US" dirty="0"/>
-              <a:t>Input and </a:t>
-            </a:r>
-            <a:r>
-              <a:rPr lang="en-US" dirty="0" smtClean="0"/>
-              <a:t>Return: </a:t>
-            </a:r>
-            <a:r>
-              <a:rPr lang="en-US" dirty="0"/>
-              <a:t>vending machine</a:t>
+              <a:t>Input and Return: vending machine</a:t>
             </a:r>
           </a:p>
         </p:txBody>
@@ -6751,7 +6973,7 @@
               <a:buNone/>
             </a:pPr>
             <a:r>
-              <a:rPr lang="en-US" dirty="0" smtClean="0">
+              <a:rPr lang="en-US" dirty="0">
                 <a:solidFill>
                   <a:srgbClr val="FF0000"/>
                 </a:solidFill>
@@ -6759,7 +6981,7 @@
               <a:t>  Input:</a:t>
             </a:r>
             <a:r>
-              <a:rPr lang="en-US" dirty="0" smtClean="0"/>
+              <a:rPr lang="en-US" dirty="0"/>
               <a:t> money in bills and coins </a:t>
             </a:r>
           </a:p>
@@ -6768,7 +6990,7 @@
               <a:buNone/>
             </a:pPr>
             <a:r>
-              <a:rPr lang="en-US" dirty="0" smtClean="0">
+              <a:rPr lang="en-US" dirty="0">
                 <a:solidFill>
                   <a:srgbClr val="0E31E2"/>
                 </a:solidFill>
@@ -6776,10 +6998,9 @@
               <a:t>Return: </a:t>
             </a:r>
             <a:r>
-              <a:rPr lang="en-US" dirty="0" smtClean="0"/>
+              <a:rPr lang="en-US" dirty="0"/>
               <a:t>a metro card with that amount of money</a:t>
             </a:r>
-            <a:endParaRPr lang="en-US" dirty="0"/>
           </a:p>
         </p:txBody>
       </p:sp>
@@ -7299,13 +7520,8 @@
           <a:p>
             <a:r>
               <a:rPr lang="en-US" dirty="0"/>
-              <a:t>Input and </a:t>
-            </a:r>
-            <a:r>
-              <a:rPr lang="en-US" dirty="0" smtClean="0"/>
-              <a:t>Return: alarm clock</a:t>
-            </a:r>
-            <a:endParaRPr lang="en-US" dirty="0"/>
+              <a:t>Input and Return: alarm clock</a:t>
+            </a:r>
           </a:p>
         </p:txBody>
       </p:sp>
@@ -7330,7 +7546,7 @@
               <a:buNone/>
             </a:pPr>
             <a:r>
-              <a:rPr lang="en-US" dirty="0" smtClean="0"/>
+              <a:rPr lang="en-US" dirty="0"/>
               <a:t>What is input?</a:t>
             </a:r>
           </a:p>
@@ -7339,7 +7555,7 @@
               <a:buNone/>
             </a:pPr>
             <a:r>
-              <a:rPr lang="en-US" dirty="0" smtClean="0"/>
+              <a:rPr lang="en-US" dirty="0"/>
               <a:t>What is the return?</a:t>
             </a:r>
           </a:p>
@@ -7353,7 +7569,7 @@
             <a:pPr marL="0" indent="0">
               <a:buNone/>
             </a:pPr>
-            <a:endParaRPr lang="en-US" dirty="0" smtClean="0"/>
+            <a:endParaRPr lang="en-US" dirty="0"/>
           </a:p>
           <a:p>
             <a:pPr marL="0" indent="0">
@@ -7365,17 +7581,16 @@
             <a:pPr marL="0" indent="0">
               <a:buNone/>
             </a:pPr>
-            <a:endParaRPr lang="en-US" dirty="0" smtClean="0"/>
+            <a:endParaRPr lang="en-US" dirty="0"/>
           </a:p>
           <a:p>
             <a:pPr marL="0" indent="0">
               <a:buNone/>
             </a:pPr>
             <a:r>
-              <a:rPr lang="en-US" dirty="0" smtClean="0"/>
+              <a:rPr lang="en-US" dirty="0"/>
               <a:t>We use alarm time as input, get some audio effect (alarm sound), but no physical return.</a:t>
             </a:r>
-            <a:endParaRPr lang="en-US" dirty="0"/>
           </a:p>
         </p:txBody>
       </p:sp>
@@ -7674,10 +7889,9 @@
           <a:lstStyle/>
           <a:p>
             <a:r>
-              <a:rPr lang="en-US" dirty="0" smtClean="0"/>
+              <a:rPr lang="en-US" dirty="0"/>
               <a:t>What is a method</a:t>
             </a:r>
-            <a:endParaRPr lang="en-US" dirty="0"/>
           </a:p>
         </p:txBody>
       </p:sp>
@@ -7707,11 +7921,11 @@
               <a:buNone/>
             </a:pPr>
             <a:r>
-              <a:rPr lang="en-US" dirty="0" smtClean="0"/>
+              <a:rPr lang="en-US" dirty="0"/>
               <a:t>A method like a recipe, it is </a:t>
             </a:r>
             <a:r>
-              <a:rPr lang="en-US" dirty="0" smtClean="0">
+              <a:rPr lang="en-US" dirty="0">
                 <a:solidFill>
                   <a:srgbClr val="FF0000"/>
                 </a:solidFill>
@@ -7719,10 +7933,9 @@
               <a:t>a set of instructions</a:t>
             </a:r>
             <a:r>
-              <a:rPr lang="en-US" dirty="0" smtClean="0"/>
+              <a:rPr lang="en-US" dirty="0"/>
               <a:t> that process the given input, and return something if necessary.</a:t>
             </a:r>
-            <a:endParaRPr lang="en-US" dirty="0"/>
           </a:p>
         </p:txBody>
       </p:sp>
@@ -7961,13 +8174,6 @@
   <p:clrMapOvr>
     <a:masterClrMapping/>
   </p:clrMapOvr>
-  <p:timing>
-    <p:tnLst>
-      <p:par>
-        <p:cTn id="1" dur="indefinite" restart="never" nodeType="tmRoot"/>
-      </p:par>
-    </p:tnLst>
-  </p:timing>
 </p:sld>
 </file>
 
@@ -8004,10 +8210,9 @@
           <a:lstStyle/>
           <a:p>
             <a:r>
-              <a:rPr lang="en-US" dirty="0" smtClean="0"/>
+              <a:rPr lang="en-US" dirty="0"/>
               <a:t>Components of method</a:t>
             </a:r>
-            <a:endParaRPr lang="en-US" dirty="0"/>
           </a:p>
         </p:txBody>
       </p:sp>
@@ -8034,18 +8239,13 @@
           <a:lstStyle/>
           <a:p>
             <a:r>
-              <a:rPr lang="en-US" dirty="0" smtClean="0"/>
-              <a:t>A method has a meaningful name, normally as a </a:t>
-            </a:r>
-            <a:r>
-              <a:rPr lang="en-US" dirty="0" smtClean="0"/>
-              <a:t>verb.</a:t>
-            </a:r>
-            <a:endParaRPr lang="en-US" dirty="0"/>
-          </a:p>
-          <a:p>
-            <a:r>
-              <a:rPr lang="en-US" dirty="0" smtClean="0">
+              <a:rPr lang="en-US" dirty="0"/>
+              <a:t>A method has a meaningful name, normally as a verb.</a:t>
+            </a:r>
+          </a:p>
+          <a:p>
+            <a:r>
+              <a:rPr lang="en-US" dirty="0">
                 <a:solidFill>
                   <a:srgbClr val="FF0000"/>
                 </a:solidFill>
@@ -8053,11 +8253,11 @@
               <a:t>zero</a:t>
             </a:r>
             <a:r>
-              <a:rPr lang="en-US" dirty="0" smtClean="0"/>
+              <a:rPr lang="en-US" dirty="0"/>
               <a:t>, </a:t>
             </a:r>
             <a:r>
-              <a:rPr lang="en-US" dirty="0" smtClean="0">
+              <a:rPr lang="en-US" dirty="0">
                 <a:solidFill>
                   <a:srgbClr val="0070C0"/>
                 </a:solidFill>
@@ -8065,11 +8265,11 @@
               <a:t>one</a:t>
             </a:r>
             <a:r>
-              <a:rPr lang="en-US" dirty="0" smtClean="0"/>
+              <a:rPr lang="en-US" dirty="0"/>
               <a:t>, or </a:t>
             </a:r>
             <a:r>
-              <a:rPr lang="en-US" dirty="0" smtClean="0">
+              <a:rPr lang="en-US" dirty="0">
                 <a:solidFill>
                   <a:srgbClr val="008000"/>
                 </a:solidFill>
@@ -8077,13 +8277,13 @@
               <a:t>many</a:t>
             </a:r>
             <a:r>
-              <a:rPr lang="en-US" dirty="0" smtClean="0"/>
+              <a:rPr lang="en-US" dirty="0"/>
               <a:t> inputs</a:t>
             </a:r>
           </a:p>
           <a:p>
             <a:r>
-              <a:rPr lang="en-US" dirty="0" smtClean="0">
+              <a:rPr lang="en-US" dirty="0">
                 <a:solidFill>
                   <a:srgbClr val="FF0000"/>
                 </a:solidFill>
@@ -8091,11 +8291,11 @@
               <a:t>zero</a:t>
             </a:r>
             <a:r>
-              <a:rPr lang="en-US" dirty="0" smtClean="0"/>
+              <a:rPr lang="en-US" dirty="0"/>
               <a:t> or </a:t>
             </a:r>
             <a:r>
-              <a:rPr lang="en-US" dirty="0" smtClean="0">
+              <a:rPr lang="en-US" dirty="0">
                 <a:solidFill>
                   <a:srgbClr val="0070C0"/>
                 </a:solidFill>
@@ -8103,7 +8303,7 @@
               <a:t>one</a:t>
             </a:r>
             <a:r>
-              <a:rPr lang="en-US" dirty="0" smtClean="0"/>
+              <a:rPr lang="en-US" dirty="0"/>
               <a:t> return </a:t>
             </a:r>
           </a:p>
@@ -8111,14 +8311,10 @@
             <a:pPr lvl="1"/>
             <a:r>
               <a:rPr lang="en-US" dirty="0"/>
-              <a:t>I</a:t>
-            </a:r>
-            <a:r>
-              <a:rPr lang="en-US" dirty="0" smtClean="0"/>
-              <a:t>f we have more than one return, pack them in a composite type -- a structure composed of several types. So, the return is still </a:t>
-            </a:r>
-            <a:r>
-              <a:rPr lang="en-US" dirty="0" smtClean="0">
+              <a:t>If we have more than one return, pack them in a composite type -- a structure composed of several types. So, the return is still </a:t>
+            </a:r>
+            <a:r>
+              <a:rPr lang="en-US" dirty="0">
                 <a:solidFill>
                   <a:srgbClr val="0070C0"/>
                 </a:solidFill>
@@ -8126,15 +8322,15 @@
               <a:t>one</a:t>
             </a:r>
             <a:r>
-              <a:rPr lang="en-US" dirty="0" smtClean="0"/>
+              <a:rPr lang="en-US" dirty="0"/>
               <a:t>, but it contains many stuffs.</a:t>
             </a:r>
           </a:p>
           <a:p>
-            <a:endParaRPr lang="en-US" dirty="0" smtClean="0"/>
-          </a:p>
-          <a:p>
-            <a:endParaRPr lang="en-US" dirty="0" smtClean="0"/>
+            <a:endParaRPr lang="en-US" dirty="0"/>
+          </a:p>
+          <a:p>
+            <a:endParaRPr lang="en-US" dirty="0"/>
           </a:p>
           <a:p>
             <a:pPr marL="0" indent="0">
@@ -8144,14 +8340,14 @@
           </a:p>
           <a:p>
             <a:r>
-              <a:rPr lang="en-US" dirty="0" smtClean="0"/>
+              <a:rPr lang="en-US" dirty="0"/>
               <a:t>A method has some functionality.</a:t>
             </a:r>
           </a:p>
           <a:p>
             <a:pPr lvl="1"/>
             <a:r>
-              <a:rPr lang="en-US" dirty="0" smtClean="0"/>
+              <a:rPr lang="en-US" dirty="0"/>
               <a:t>One method normally concentrates only on one task.</a:t>
             </a:r>
           </a:p>
@@ -8229,13 +8425,6 @@
   <p:clrMapOvr>
     <a:masterClrMapping/>
   </p:clrMapOvr>
-  <p:timing>
-    <p:tnLst>
-      <p:par>
-        <p:cTn id="1" dur="indefinite" restart="never" nodeType="tmRoot"/>
-      </p:par>
-    </p:tnLst>
-  </p:timing>
 </p:sld>
 </file>
 
@@ -8273,13 +8462,8 @@
           <a:p>
             <a:r>
               <a:rPr lang="en-US" dirty="0"/>
-              <a:t>E</a:t>
-            </a:r>
-            <a:r>
-              <a:rPr lang="en-US" dirty="0" smtClean="0"/>
-              <a:t>xisting methods with no input</a:t>
-            </a:r>
-            <a:endParaRPr lang="en-US" dirty="0"/>
+              <a:t>Existing methods with no input</a:t>
+            </a:r>
           </a:p>
         </p:txBody>
       </p:sp>
@@ -8301,7 +8485,7 @@
             <a:pPr marL="0" indent="0">
               <a:buNone/>
             </a:pPr>
-            <a:endParaRPr lang="en-US" dirty="0" smtClean="0"/>
+            <a:endParaRPr lang="en-US" dirty="0"/>
           </a:p>
           <a:p>
             <a:pPr marL="0" indent="0">
@@ -8355,7 +8539,7 @@
           <a:p>
             <a:pPr algn="ctr"/>
             <a:r>
-              <a:rPr lang="en-US" dirty="0" err="1" smtClean="0">
+              <a:rPr lang="en-US" dirty="0" err="1">
                 <a:solidFill>
                   <a:srgbClr val="FF0000"/>
                 </a:solidFill>
@@ -8525,31 +8709,7 @@
                   <a:srgbClr val="7030A0"/>
                 </a:solidFill>
               </a:rPr>
-              <a:t>Print out a </a:t>
-            </a:r>
-            <a:r>
-              <a:rPr lang="en-US" dirty="0" smtClean="0">
-                <a:solidFill>
-                  <a:srgbClr val="7030A0"/>
-                </a:solidFill>
-              </a:rPr>
-              <a:t>message</a:t>
-            </a:r>
-            <a:r>
-              <a:rPr lang="en-US" dirty="0" smtClean="0">
-                <a:solidFill>
-                  <a:srgbClr val="7030A0"/>
-                </a:solidFill>
-              </a:rPr>
-              <a:t> </a:t>
-            </a:r>
-            <a:r>
-              <a:rPr lang="en-US" dirty="0">
-                <a:solidFill>
-                  <a:srgbClr val="7030A0"/>
-                </a:solidFill>
-              </a:rPr>
-              <a:t>to the screen.</a:t>
+              <a:t>Print out a message to the screen.</a:t>
             </a:r>
           </a:p>
         </p:txBody>
@@ -8639,26 +8799,13 @@
               <a:t>Functionality: </a:t>
             </a:r>
             <a:r>
-              <a:rPr lang="en-US" dirty="0" smtClean="0">
+              <a:rPr lang="en-US" dirty="0">
                 <a:solidFill>
                   <a:srgbClr val="7030A0"/>
                 </a:solidFill>
               </a:rPr>
-              <a:t>return</a:t>
-            </a:r>
-            <a:r>
-              <a:rPr lang="en-US" dirty="0" smtClean="0">
-                <a:solidFill>
-                  <a:srgbClr val="7030A0"/>
-                </a:solidFill>
-              </a:rPr>
-              <a:t> a random int.</a:t>
-            </a:r>
-            <a:endParaRPr lang="en-US" dirty="0">
-              <a:solidFill>
-                <a:srgbClr val="7030A0"/>
-              </a:solidFill>
-            </a:endParaRPr>
+              <a:t>return a random int.</a:t>
+            </a:r>
           </a:p>
         </p:txBody>
       </p:sp>
@@ -8704,18 +8851,13 @@
           <a:p>
             <a:pPr algn="ctr"/>
             <a:r>
-              <a:rPr lang="en-US" dirty="0" smtClean="0">
+              <a:rPr lang="en-US" dirty="0">
                 <a:solidFill>
                   <a:srgbClr val="FF0000"/>
                 </a:solidFill>
               </a:rPr>
               <a:t>rand</a:t>
             </a:r>
-            <a:endParaRPr lang="en-US" dirty="0">
-              <a:solidFill>
-                <a:srgbClr val="FF0000"/>
-              </a:solidFill>
-            </a:endParaRPr>
           </a:p>
         </p:txBody>
       </p:sp>
@@ -8941,13 +9083,6 @@
   <p:clrMapOvr>
     <a:masterClrMapping/>
   </p:clrMapOvr>
-  <p:timing>
-    <p:tnLst>
-      <p:par>
-        <p:cTn id="1" dur="indefinite" restart="never" nodeType="tmRoot"/>
-      </p:par>
-    </p:tnLst>
-  </p:timing>
 </p:sld>
 </file>
 
@@ -8985,13 +9120,8 @@
           <a:p>
             <a:r>
               <a:rPr lang="en-US" dirty="0"/>
-              <a:t>E</a:t>
-            </a:r>
-            <a:r>
-              <a:rPr lang="en-US" dirty="0" smtClean="0"/>
-              <a:t>xisting methods with one input</a:t>
-            </a:r>
-            <a:endParaRPr lang="en-US" dirty="0"/>
+              <a:t>Existing methods with one input</a:t>
+            </a:r>
           </a:p>
         </p:txBody>
       </p:sp>
@@ -9013,7 +9143,7 @@
             <a:pPr marL="0" indent="0">
               <a:buNone/>
             </a:pPr>
-            <a:endParaRPr lang="en-US" dirty="0" smtClean="0"/>
+            <a:endParaRPr lang="en-US" dirty="0"/>
           </a:p>
           <a:p>
             <a:pPr marL="0" indent="0">
@@ -9411,13 +9541,6 @@
   <p:clrMapOvr>
     <a:masterClrMapping/>
   </p:clrMapOvr>
-  <p:timing>
-    <p:tnLst>
-      <p:par>
-        <p:cTn id="1" dur="indefinite" restart="never" nodeType="tmRoot"/>
-      </p:par>
-    </p:tnLst>
-  </p:timing>
 </p:sld>
 </file>
 

--- a/135/slides/ch05/call_method.pptx
+++ b/135/slides/ch05/call_method.pptx
@@ -212,7 +212,7 @@
           <a:p>
             <a:fld id="{F81EB5AE-7CEF-0D4B-A20B-CA47CB750EB5}" type="datetimeFigureOut">
               <a:rPr lang="en-US" smtClean="0"/>
-              <a:t>9/26/21</a:t>
+              <a:t>2/27/22</a:t>
             </a:fld>
             <a:endParaRPr lang="en-US"/>
           </a:p>
@@ -1496,7 +1496,7 @@
           <a:p>
             <a:fld id="{83B54030-974A-4F40-A124-394A3DC6BBAC}" type="datetimeFigureOut">
               <a:rPr lang="en-US" smtClean="0"/>
-              <a:t>9/26/21</a:t>
+              <a:t>2/27/22</a:t>
             </a:fld>
             <a:endParaRPr lang="en-US"/>
           </a:p>
@@ -1664,7 +1664,7 @@
           <a:p>
             <a:fld id="{83B54030-974A-4F40-A124-394A3DC6BBAC}" type="datetimeFigureOut">
               <a:rPr lang="en-US" smtClean="0"/>
-              <a:t>9/26/21</a:t>
+              <a:t>2/27/22</a:t>
             </a:fld>
             <a:endParaRPr lang="en-US"/>
           </a:p>
@@ -1842,7 +1842,7 @@
           <a:p>
             <a:fld id="{83B54030-974A-4F40-A124-394A3DC6BBAC}" type="datetimeFigureOut">
               <a:rPr lang="en-US" smtClean="0"/>
-              <a:t>9/26/21</a:t>
+              <a:t>2/27/22</a:t>
             </a:fld>
             <a:endParaRPr lang="en-US"/>
           </a:p>
@@ -2010,7 +2010,7 @@
           <a:p>
             <a:fld id="{83B54030-974A-4F40-A124-394A3DC6BBAC}" type="datetimeFigureOut">
               <a:rPr lang="en-US" smtClean="0"/>
-              <a:t>9/26/21</a:t>
+              <a:t>2/27/22</a:t>
             </a:fld>
             <a:endParaRPr lang="en-US"/>
           </a:p>
@@ -2255,7 +2255,7 @@
           <a:p>
             <a:fld id="{83B54030-974A-4F40-A124-394A3DC6BBAC}" type="datetimeFigureOut">
               <a:rPr lang="en-US" smtClean="0"/>
-              <a:t>9/26/21</a:t>
+              <a:t>2/27/22</a:t>
             </a:fld>
             <a:endParaRPr lang="en-US"/>
           </a:p>
@@ -2484,7 +2484,7 @@
           <a:p>
             <a:fld id="{83B54030-974A-4F40-A124-394A3DC6BBAC}" type="datetimeFigureOut">
               <a:rPr lang="en-US" smtClean="0"/>
-              <a:t>9/26/21</a:t>
+              <a:t>2/27/22</a:t>
             </a:fld>
             <a:endParaRPr lang="en-US"/>
           </a:p>
@@ -2848,7 +2848,7 @@
           <a:p>
             <a:fld id="{83B54030-974A-4F40-A124-394A3DC6BBAC}" type="datetimeFigureOut">
               <a:rPr lang="en-US" smtClean="0"/>
-              <a:t>9/26/21</a:t>
+              <a:t>2/27/22</a:t>
             </a:fld>
             <a:endParaRPr lang="en-US"/>
           </a:p>
@@ -2965,7 +2965,7 @@
           <a:p>
             <a:fld id="{83B54030-974A-4F40-A124-394A3DC6BBAC}" type="datetimeFigureOut">
               <a:rPr lang="en-US" smtClean="0"/>
-              <a:t>9/26/21</a:t>
+              <a:t>2/27/22</a:t>
             </a:fld>
             <a:endParaRPr lang="en-US"/>
           </a:p>
@@ -3060,7 +3060,7 @@
           <a:p>
             <a:fld id="{83B54030-974A-4F40-A124-394A3DC6BBAC}" type="datetimeFigureOut">
               <a:rPr lang="en-US" smtClean="0"/>
-              <a:t>9/26/21</a:t>
+              <a:t>2/27/22</a:t>
             </a:fld>
             <a:endParaRPr lang="en-US"/>
           </a:p>
@@ -3335,7 +3335,7 @@
           <a:p>
             <a:fld id="{83B54030-974A-4F40-A124-394A3DC6BBAC}" type="datetimeFigureOut">
               <a:rPr lang="en-US" smtClean="0"/>
-              <a:t>9/26/21</a:t>
+              <a:t>2/27/22</a:t>
             </a:fld>
             <a:endParaRPr lang="en-US"/>
           </a:p>
@@ -3587,7 +3587,7 @@
           <a:p>
             <a:fld id="{83B54030-974A-4F40-A124-394A3DC6BBAC}" type="datetimeFigureOut">
               <a:rPr lang="en-US" smtClean="0"/>
-              <a:t>9/26/21</a:t>
+              <a:t>2/27/22</a:t>
             </a:fld>
             <a:endParaRPr lang="en-US"/>
           </a:p>
@@ -3798,7 +3798,7 @@
           <a:p>
             <a:fld id="{83B54030-974A-4F40-A124-394A3DC6BBAC}" type="datetimeFigureOut">
               <a:rPr lang="en-US" smtClean="0"/>
-              <a:t>9/26/21</a:t>
+              <a:t>2/27/22</a:t>
             </a:fld>
             <a:endParaRPr lang="en-US"/>
           </a:p>
@@ -6011,7 +6011,22 @@
           <a:p>
             <a:r>
               <a:rPr lang="en-US" dirty="0"/>
-              <a:t>In C++, when define a function,</a:t>
+              <a:t>In C++, when </a:t>
+            </a:r>
+            <a:r>
+              <a:rPr lang="en-US" dirty="0">
+                <a:solidFill>
+                  <a:srgbClr val="FF0000"/>
+                </a:solidFill>
+                <a:highlight>
+                  <a:srgbClr val="00FFFF"/>
+                </a:highlight>
+              </a:rPr>
+              <a:t>define</a:t>
+            </a:r>
+            <a:r>
+              <a:rPr lang="en-US" dirty="0"/>
+              <a:t> a function,</a:t>
             </a:r>
           </a:p>
           <a:p>
@@ -6019,7 +6034,11 @@
               <a:buNone/>
             </a:pPr>
             <a:r>
-              <a:rPr lang="en-US" dirty="0" err="1"/>
+              <a:rPr lang="en-US" dirty="0" err="1">
+                <a:solidFill>
+                  <a:srgbClr val="FF0000"/>
+                </a:solidFill>
+              </a:rPr>
               <a:t>return_type</a:t>
             </a:r>
             <a:r>
@@ -6027,7 +6046,11 @@
               <a:t> </a:t>
             </a:r>
             <a:r>
-              <a:rPr lang="en-US" dirty="0" err="1"/>
+              <a:rPr lang="en-US" b="1" dirty="0" err="1">
+                <a:solidFill>
+                  <a:schemeClr val="accent1"/>
+                </a:solidFill>
+              </a:rPr>
               <a:t>function_name</a:t>
             </a:r>
             <a:r>
@@ -6035,7 +6058,11 @@
               <a:t>(</a:t>
             </a:r>
             <a:r>
-              <a:rPr lang="en-US" dirty="0" err="1"/>
+              <a:rPr lang="en-US" dirty="0" err="1">
+                <a:solidFill>
+                  <a:srgbClr val="7030A0"/>
+                </a:solidFill>
+              </a:rPr>
               <a:t>parameter_list</a:t>
             </a:r>
             <a:r>
@@ -6048,8 +6075,22 @@
               <a:buNone/>
             </a:pPr>
             <a:r>
-              <a:rPr lang="en-US" dirty="0"/>
-              <a:t>      //there can be 0, 1, or more parameters, </a:t>
+              <a:rPr lang="en-US" dirty="0">
+                <a:solidFill>
+                  <a:schemeClr val="accent6">
+                    <a:lumMod val="75000"/>
+                  </a:schemeClr>
+                </a:solidFill>
+              </a:rPr>
+              <a:t>      </a:t>
+            </a:r>
+            <a:r>
+              <a:rPr lang="en-US" b="1" dirty="0">
+                <a:solidFill>
+                  <a:srgbClr val="00B050"/>
+                </a:solidFill>
+              </a:rPr>
+              <a:t>//there can be 0, 1, or more parameters, </a:t>
             </a:r>
           </a:p>
           <a:p>
@@ -6057,19 +6098,45 @@
               <a:buNone/>
             </a:pPr>
             <a:r>
-              <a:rPr lang="en-US" dirty="0"/>
-              <a:t>      //parameter list is </a:t>
-            </a:r>
-            <a:r>
-              <a:rPr lang="en-US" u="sng" dirty="0"/>
+              <a:rPr lang="en-US" dirty="0">
+                <a:solidFill>
+                  <a:schemeClr val="accent6">
+                    <a:lumMod val="75000"/>
+                  </a:schemeClr>
+                </a:solidFill>
+              </a:rPr>
+              <a:t>      </a:t>
+            </a:r>
+            <a:r>
+              <a:rPr lang="en-US" b="1" dirty="0">
+                <a:solidFill>
+                  <a:srgbClr val="00B050"/>
+                </a:solidFill>
+              </a:rPr>
+              <a:t>//parameter list is </a:t>
+            </a:r>
+            <a:r>
+              <a:rPr lang="en-US" b="1" u="sng" dirty="0">
+                <a:solidFill>
+                  <a:srgbClr val="00B050"/>
+                </a:solidFill>
+              </a:rPr>
               <a:t>type </a:t>
             </a:r>
             <a:r>
-              <a:rPr lang="en-US" u="sng" dirty="0" err="1"/>
+              <a:rPr lang="en-US" b="1" u="sng" dirty="0" err="1">
+                <a:solidFill>
+                  <a:srgbClr val="00B050"/>
+                </a:solidFill>
+              </a:rPr>
               <a:t>parameter_name</a:t>
             </a:r>
             <a:r>
-              <a:rPr lang="en-US" dirty="0"/>
+              <a:rPr lang="en-US" b="1" dirty="0">
+                <a:solidFill>
+                  <a:srgbClr val="00B050"/>
+                </a:solidFill>
+              </a:rPr>
               <a:t> separated by comma (,)</a:t>
             </a:r>
           </a:p>
@@ -6078,7 +6145,11 @@
               <a:buNone/>
             </a:pPr>
             <a:r>
-              <a:rPr lang="en-US" dirty="0"/>
+              <a:rPr lang="en-US" dirty="0">
+                <a:solidFill>
+                  <a:srgbClr val="FF0000"/>
+                </a:solidFill>
+              </a:rPr>
               <a:t>{</a:t>
             </a:r>
           </a:p>
@@ -6088,7 +6159,15 @@
             </a:pPr>
             <a:r>
               <a:rPr lang="en-US" dirty="0"/>
-              <a:t>      //functionality, what to do with the parameters</a:t>
+              <a:t>      </a:t>
+            </a:r>
+            <a:r>
+              <a:rPr lang="en-US" b="1" dirty="0">
+                <a:solidFill>
+                  <a:srgbClr val="00B050"/>
+                </a:solidFill>
+              </a:rPr>
+              <a:t>//functionality, what to do with the parameters</a:t>
             </a:r>
           </a:p>
           <a:p>
@@ -6096,14 +6175,33 @@
               <a:buNone/>
             </a:pPr>
             <a:r>
+              <a:rPr lang="en-US" dirty="0">
+                <a:solidFill>
+                  <a:srgbClr val="FF0000"/>
+                </a:solidFill>
+              </a:rPr>
+              <a:t>}</a:t>
+            </a:r>
+          </a:p>
+          <a:p>
+            <a:r>
               <a:rPr lang="en-US" dirty="0"/>
-              <a:t>}</a:t>
-            </a:r>
-          </a:p>
-          <a:p>
+              <a:t>In C++, to </a:t>
+            </a:r>
+            <a:r>
+              <a:rPr lang="en-US" dirty="0">
+                <a:solidFill>
+                  <a:srgbClr val="FF0000"/>
+                </a:solidFill>
+                <a:highlight>
+                  <a:srgbClr val="FFFF00"/>
+                </a:highlight>
+              </a:rPr>
+              <a:t>call</a:t>
+            </a:r>
             <a:r>
               <a:rPr lang="en-US" dirty="0"/>
-              <a:t>In C++, to call a function</a:t>
+              <a:t> a function</a:t>
             </a:r>
           </a:p>
           <a:p>
@@ -6128,7 +6226,15 @@
             </a:r>
             <a:r>
               <a:rPr lang="en-US" dirty="0"/>
-              <a:t>); //if return type is not void, can put the return of function to a variable with the same type as return type.</a:t>
+              <a:t>); </a:t>
+            </a:r>
+            <a:r>
+              <a:rPr lang="en-US" b="1" dirty="0">
+                <a:solidFill>
+                  <a:srgbClr val="00B050"/>
+                </a:solidFill>
+              </a:rPr>
+              <a:t>//if return type is not void, can put the return of function to a variable with the same type as return type.</a:t>
             </a:r>
           </a:p>
           <a:p>
